--- a/artifacts/arch/Data Profiling Application.pptx
+++ b/artifacts/arch/Data Profiling Application.pptx
@@ -4,6 +4,9 @@
   <p:sldMasterIdLst>
     <p:sldMasterId id="2147483712" r:id="rId4"/>
   </p:sldMasterIdLst>
+  <p:notesMasterIdLst>
+    <p:notesMasterId r:id="rId16"/>
+  </p:notesMasterIdLst>
   <p:sldIdLst>
     <p:sldId id="257" r:id="rId5"/>
     <p:sldId id="259" r:id="rId6"/>
@@ -122,6 +125,440 @@
 </p:presentation>
 </file>
 
+<file path=ppt/notesMasters/notesMaster1.xml><?xml version="1.0" encoding="utf-8"?>
+<p:notesMaster xmlns:a="http://schemas.openxmlformats.org/drawingml/2006/main" xmlns:r="http://schemas.openxmlformats.org/officeDocument/2006/relationships" xmlns:p="http://schemas.openxmlformats.org/presentationml/2006/main">
+  <p:cSld>
+    <p:bg>
+      <p:bgRef idx="1001">
+        <a:schemeClr val="bg1"/>
+      </p:bgRef>
+    </p:bg>
+    <p:spTree>
+      <p:nvGrpSpPr>
+        <p:cNvPr id="1" name=""/>
+        <p:cNvGrpSpPr/>
+        <p:nvPr/>
+      </p:nvGrpSpPr>
+      <p:grpSpPr>
+        <a:xfrm>
+          <a:off x="0" y="0"/>
+          <a:ext cx="0" cy="0"/>
+          <a:chOff x="0" y="0"/>
+          <a:chExt cx="0" cy="0"/>
+        </a:xfrm>
+      </p:grpSpPr>
+      <p:sp>
+        <p:nvSpPr>
+          <p:cNvPr id="2" name="Header Placeholder 1"/>
+          <p:cNvSpPr>
+            <a:spLocks noGrp="1"/>
+          </p:cNvSpPr>
+          <p:nvPr>
+            <p:ph type="hdr" sz="quarter"/>
+          </p:nvPr>
+        </p:nvSpPr>
+        <p:spPr>
+          <a:xfrm>
+            <a:off x="0" y="0"/>
+            <a:ext cx="2971800" cy="458788"/>
+          </a:xfrm>
+          <a:prstGeom prst="rect">
+            <a:avLst/>
+          </a:prstGeom>
+        </p:spPr>
+        <p:txBody>
+          <a:bodyPr vert="horz" lIns="91440" tIns="45720" rIns="91440" bIns="45720" rtlCol="0"/>
+          <a:lstStyle>
+            <a:lvl1pPr algn="l">
+              <a:defRPr sz="1200"/>
+            </a:lvl1pPr>
+          </a:lstStyle>
+          <a:p>
+            <a:endParaRPr lang="en-IN"/>
+          </a:p>
+        </p:txBody>
+      </p:sp>
+      <p:sp>
+        <p:nvSpPr>
+          <p:cNvPr id="3" name="Date Placeholder 2"/>
+          <p:cNvSpPr>
+            <a:spLocks noGrp="1"/>
+          </p:cNvSpPr>
+          <p:nvPr>
+            <p:ph type="dt" idx="1"/>
+          </p:nvPr>
+        </p:nvSpPr>
+        <p:spPr>
+          <a:xfrm>
+            <a:off x="3884613" y="0"/>
+            <a:ext cx="2971800" cy="458788"/>
+          </a:xfrm>
+          <a:prstGeom prst="rect">
+            <a:avLst/>
+          </a:prstGeom>
+        </p:spPr>
+        <p:txBody>
+          <a:bodyPr vert="horz" lIns="91440" tIns="45720" rIns="91440" bIns="45720" rtlCol="0"/>
+          <a:lstStyle>
+            <a:lvl1pPr algn="r">
+              <a:defRPr sz="1200"/>
+            </a:lvl1pPr>
+          </a:lstStyle>
+          <a:p>
+            <a:fld id="{C8E1C6C7-BE54-4361-AAA6-CBF473D1E264}" type="datetimeFigureOut">
+              <a:rPr lang="en-IN" smtClean="0"/>
+              <a:t>26-03-2025</a:t>
+            </a:fld>
+            <a:endParaRPr lang="en-IN"/>
+          </a:p>
+        </p:txBody>
+      </p:sp>
+      <p:sp>
+        <p:nvSpPr>
+          <p:cNvPr id="4" name="Slide Image Placeholder 3"/>
+          <p:cNvSpPr>
+            <a:spLocks noGrp="1" noRot="1" noChangeAspect="1"/>
+          </p:cNvSpPr>
+          <p:nvPr>
+            <p:ph type="sldImg" idx="2"/>
+          </p:nvPr>
+        </p:nvSpPr>
+        <p:spPr>
+          <a:xfrm>
+            <a:off x="685800" y="1143000"/>
+            <a:ext cx="5486400" cy="3086100"/>
+          </a:xfrm>
+          <a:prstGeom prst="rect">
+            <a:avLst/>
+          </a:prstGeom>
+          <a:noFill/>
+          <a:ln w="12700">
+            <a:solidFill>
+              <a:prstClr val="black"/>
+            </a:solidFill>
+          </a:ln>
+        </p:spPr>
+        <p:txBody>
+          <a:bodyPr vert="horz" lIns="91440" tIns="45720" rIns="91440" bIns="45720" rtlCol="0" anchor="ctr"/>
+          <a:lstStyle/>
+          <a:p>
+            <a:endParaRPr lang="en-IN"/>
+          </a:p>
+        </p:txBody>
+      </p:sp>
+      <p:sp>
+        <p:nvSpPr>
+          <p:cNvPr id="5" name="Notes Placeholder 4"/>
+          <p:cNvSpPr>
+            <a:spLocks noGrp="1"/>
+          </p:cNvSpPr>
+          <p:nvPr>
+            <p:ph type="body" sz="quarter" idx="3"/>
+          </p:nvPr>
+        </p:nvSpPr>
+        <p:spPr>
+          <a:xfrm>
+            <a:off x="685800" y="4400550"/>
+            <a:ext cx="5486400" cy="3600450"/>
+          </a:xfrm>
+          <a:prstGeom prst="rect">
+            <a:avLst/>
+          </a:prstGeom>
+        </p:spPr>
+        <p:txBody>
+          <a:bodyPr vert="horz" lIns="91440" tIns="45720" rIns="91440" bIns="45720" rtlCol="0"/>
+          <a:lstStyle/>
+          <a:p>
+            <a:pPr lvl="0"/>
+            <a:r>
+              <a:rPr lang="en-US"/>
+              <a:t>Click to edit Master text styles</a:t>
+            </a:r>
+          </a:p>
+          <a:p>
+            <a:pPr lvl="1"/>
+            <a:r>
+              <a:rPr lang="en-US"/>
+              <a:t>Second level</a:t>
+            </a:r>
+          </a:p>
+          <a:p>
+            <a:pPr lvl="2"/>
+            <a:r>
+              <a:rPr lang="en-US"/>
+              <a:t>Third level</a:t>
+            </a:r>
+          </a:p>
+          <a:p>
+            <a:pPr lvl="3"/>
+            <a:r>
+              <a:rPr lang="en-US"/>
+              <a:t>Fourth level</a:t>
+            </a:r>
+          </a:p>
+          <a:p>
+            <a:pPr lvl="4"/>
+            <a:r>
+              <a:rPr lang="en-US"/>
+              <a:t>Fifth level</a:t>
+            </a:r>
+            <a:endParaRPr lang="en-IN"/>
+          </a:p>
+        </p:txBody>
+      </p:sp>
+      <p:sp>
+        <p:nvSpPr>
+          <p:cNvPr id="6" name="Footer Placeholder 5"/>
+          <p:cNvSpPr>
+            <a:spLocks noGrp="1"/>
+          </p:cNvSpPr>
+          <p:nvPr>
+            <p:ph type="ftr" sz="quarter" idx="4"/>
+          </p:nvPr>
+        </p:nvSpPr>
+        <p:spPr>
+          <a:xfrm>
+            <a:off x="0" y="8685213"/>
+            <a:ext cx="2971800" cy="458787"/>
+          </a:xfrm>
+          <a:prstGeom prst="rect">
+            <a:avLst/>
+          </a:prstGeom>
+        </p:spPr>
+        <p:txBody>
+          <a:bodyPr vert="horz" lIns="91440" tIns="45720" rIns="91440" bIns="45720" rtlCol="0" anchor="b"/>
+          <a:lstStyle>
+            <a:lvl1pPr algn="l">
+              <a:defRPr sz="1200"/>
+            </a:lvl1pPr>
+          </a:lstStyle>
+          <a:p>
+            <a:endParaRPr lang="en-IN"/>
+          </a:p>
+        </p:txBody>
+      </p:sp>
+      <p:sp>
+        <p:nvSpPr>
+          <p:cNvPr id="7" name="Slide Number Placeholder 6"/>
+          <p:cNvSpPr>
+            <a:spLocks noGrp="1"/>
+          </p:cNvSpPr>
+          <p:nvPr>
+            <p:ph type="sldNum" sz="quarter" idx="5"/>
+          </p:nvPr>
+        </p:nvSpPr>
+        <p:spPr>
+          <a:xfrm>
+            <a:off x="3884613" y="8685213"/>
+            <a:ext cx="2971800" cy="458787"/>
+          </a:xfrm>
+          <a:prstGeom prst="rect">
+            <a:avLst/>
+          </a:prstGeom>
+        </p:spPr>
+        <p:txBody>
+          <a:bodyPr vert="horz" lIns="91440" tIns="45720" rIns="91440" bIns="45720" rtlCol="0" anchor="b"/>
+          <a:lstStyle>
+            <a:lvl1pPr algn="r">
+              <a:defRPr sz="1200"/>
+            </a:lvl1pPr>
+          </a:lstStyle>
+          <a:p>
+            <a:fld id="{A1062978-832B-4B46-9B4A-5200148330B8}" type="slidenum">
+              <a:rPr lang="en-IN" smtClean="0"/>
+              <a:t>‹#›</a:t>
+            </a:fld>
+            <a:endParaRPr lang="en-IN"/>
+          </a:p>
+        </p:txBody>
+      </p:sp>
+    </p:spTree>
+    <p:extLst>
+      <p:ext uri="{BB962C8B-B14F-4D97-AF65-F5344CB8AC3E}">
+        <p14:creationId xmlns:p14="http://schemas.microsoft.com/office/powerpoint/2010/main" val="9903329"/>
+      </p:ext>
+    </p:extLst>
+  </p:cSld>
+  <p:clrMap bg1="lt1" tx1="dk1" bg2="lt2" tx2="dk2" accent1="accent1" accent2="accent2" accent3="accent3" accent4="accent4" accent5="accent5" accent6="accent6" hlink="hlink" folHlink="folHlink"/>
+  <p:notesStyle>
+    <a:lvl1pPr marL="0" algn="l" defTabSz="914400" rtl="0" eaLnBrk="1" latinLnBrk="0" hangingPunct="1">
+      <a:defRPr sz="1200" kern="1200">
+        <a:solidFill>
+          <a:schemeClr val="tx1"/>
+        </a:solidFill>
+        <a:latin typeface="+mn-lt"/>
+        <a:ea typeface="+mn-ea"/>
+        <a:cs typeface="+mn-cs"/>
+      </a:defRPr>
+    </a:lvl1pPr>
+    <a:lvl2pPr marL="457200" algn="l" defTabSz="914400" rtl="0" eaLnBrk="1" latinLnBrk="0" hangingPunct="1">
+      <a:defRPr sz="1200" kern="1200">
+        <a:solidFill>
+          <a:schemeClr val="tx1"/>
+        </a:solidFill>
+        <a:latin typeface="+mn-lt"/>
+        <a:ea typeface="+mn-ea"/>
+        <a:cs typeface="+mn-cs"/>
+      </a:defRPr>
+    </a:lvl2pPr>
+    <a:lvl3pPr marL="914400" algn="l" defTabSz="914400" rtl="0" eaLnBrk="1" latinLnBrk="0" hangingPunct="1">
+      <a:defRPr sz="1200" kern="1200">
+        <a:solidFill>
+          <a:schemeClr val="tx1"/>
+        </a:solidFill>
+        <a:latin typeface="+mn-lt"/>
+        <a:ea typeface="+mn-ea"/>
+        <a:cs typeface="+mn-cs"/>
+      </a:defRPr>
+    </a:lvl3pPr>
+    <a:lvl4pPr marL="1371600" algn="l" defTabSz="914400" rtl="0" eaLnBrk="1" latinLnBrk="0" hangingPunct="1">
+      <a:defRPr sz="1200" kern="1200">
+        <a:solidFill>
+          <a:schemeClr val="tx1"/>
+        </a:solidFill>
+        <a:latin typeface="+mn-lt"/>
+        <a:ea typeface="+mn-ea"/>
+        <a:cs typeface="+mn-cs"/>
+      </a:defRPr>
+    </a:lvl4pPr>
+    <a:lvl5pPr marL="1828800" algn="l" defTabSz="914400" rtl="0" eaLnBrk="1" latinLnBrk="0" hangingPunct="1">
+      <a:defRPr sz="1200" kern="1200">
+        <a:solidFill>
+          <a:schemeClr val="tx1"/>
+        </a:solidFill>
+        <a:latin typeface="+mn-lt"/>
+        <a:ea typeface="+mn-ea"/>
+        <a:cs typeface="+mn-cs"/>
+      </a:defRPr>
+    </a:lvl5pPr>
+    <a:lvl6pPr marL="2286000" algn="l" defTabSz="914400" rtl="0" eaLnBrk="1" latinLnBrk="0" hangingPunct="1">
+      <a:defRPr sz="1200" kern="1200">
+        <a:solidFill>
+          <a:schemeClr val="tx1"/>
+        </a:solidFill>
+        <a:latin typeface="+mn-lt"/>
+        <a:ea typeface="+mn-ea"/>
+        <a:cs typeface="+mn-cs"/>
+      </a:defRPr>
+    </a:lvl6pPr>
+    <a:lvl7pPr marL="2743200" algn="l" defTabSz="914400" rtl="0" eaLnBrk="1" latinLnBrk="0" hangingPunct="1">
+      <a:defRPr sz="1200" kern="1200">
+        <a:solidFill>
+          <a:schemeClr val="tx1"/>
+        </a:solidFill>
+        <a:latin typeface="+mn-lt"/>
+        <a:ea typeface="+mn-ea"/>
+        <a:cs typeface="+mn-cs"/>
+      </a:defRPr>
+    </a:lvl7pPr>
+    <a:lvl8pPr marL="3200400" algn="l" defTabSz="914400" rtl="0" eaLnBrk="1" latinLnBrk="0" hangingPunct="1">
+      <a:defRPr sz="1200" kern="1200">
+        <a:solidFill>
+          <a:schemeClr val="tx1"/>
+        </a:solidFill>
+        <a:latin typeface="+mn-lt"/>
+        <a:ea typeface="+mn-ea"/>
+        <a:cs typeface="+mn-cs"/>
+      </a:defRPr>
+    </a:lvl8pPr>
+    <a:lvl9pPr marL="3657600" algn="l" defTabSz="914400" rtl="0" eaLnBrk="1" latinLnBrk="0" hangingPunct="1">
+      <a:defRPr sz="1200" kern="1200">
+        <a:solidFill>
+          <a:schemeClr val="tx1"/>
+        </a:solidFill>
+        <a:latin typeface="+mn-lt"/>
+        <a:ea typeface="+mn-ea"/>
+        <a:cs typeface="+mn-cs"/>
+      </a:defRPr>
+    </a:lvl9pPr>
+  </p:notesStyle>
+</p:notesMaster>
+</file>
+
+<file path=ppt/notesSlides/notesSlide1.xml><?xml version="1.0" encoding="utf-8"?>
+<p:notes xmlns:a="http://schemas.openxmlformats.org/drawingml/2006/main" xmlns:r="http://schemas.openxmlformats.org/officeDocument/2006/relationships" xmlns:p="http://schemas.openxmlformats.org/presentationml/2006/main">
+  <p:cSld>
+    <p:spTree>
+      <p:nvGrpSpPr>
+        <p:cNvPr id="1" name=""/>
+        <p:cNvGrpSpPr/>
+        <p:nvPr/>
+      </p:nvGrpSpPr>
+      <p:grpSpPr>
+        <a:xfrm>
+          <a:off x="0" y="0"/>
+          <a:ext cx="0" cy="0"/>
+          <a:chOff x="0" y="0"/>
+          <a:chExt cx="0" cy="0"/>
+        </a:xfrm>
+      </p:grpSpPr>
+      <p:sp>
+        <p:nvSpPr>
+          <p:cNvPr id="2" name="Slide Image Placeholder 1"/>
+          <p:cNvSpPr>
+            <a:spLocks noGrp="1" noRot="1" noChangeAspect="1"/>
+          </p:cNvSpPr>
+          <p:nvPr>
+            <p:ph type="sldImg"/>
+          </p:nvPr>
+        </p:nvSpPr>
+        <p:spPr/>
+      </p:sp>
+      <p:sp>
+        <p:nvSpPr>
+          <p:cNvPr id="3" name="Notes Placeholder 2"/>
+          <p:cNvSpPr>
+            <a:spLocks noGrp="1"/>
+          </p:cNvSpPr>
+          <p:nvPr>
+            <p:ph type="body" idx="1"/>
+          </p:nvPr>
+        </p:nvSpPr>
+        <p:spPr/>
+        <p:txBody>
+          <a:bodyPr/>
+          <a:lstStyle/>
+          <a:p>
+            <a:endParaRPr lang="en-IN" dirty="0"/>
+          </a:p>
+        </p:txBody>
+      </p:sp>
+      <p:sp>
+        <p:nvSpPr>
+          <p:cNvPr id="4" name="Slide Number Placeholder 3"/>
+          <p:cNvSpPr>
+            <a:spLocks noGrp="1"/>
+          </p:cNvSpPr>
+          <p:nvPr>
+            <p:ph type="sldNum" sz="quarter" idx="5"/>
+          </p:nvPr>
+        </p:nvSpPr>
+        <p:spPr/>
+        <p:txBody>
+          <a:bodyPr/>
+          <a:lstStyle/>
+          <a:p>
+            <a:fld id="{A1062978-832B-4B46-9B4A-5200148330B8}" type="slidenum">
+              <a:rPr lang="en-IN" smtClean="0"/>
+              <a:t>3</a:t>
+            </a:fld>
+            <a:endParaRPr lang="en-IN"/>
+          </a:p>
+        </p:txBody>
+      </p:sp>
+    </p:spTree>
+    <p:extLst>
+      <p:ext uri="{BB962C8B-B14F-4D97-AF65-F5344CB8AC3E}">
+        <p14:creationId xmlns:p14="http://schemas.microsoft.com/office/powerpoint/2010/main" val="2747457332"/>
+      </p:ext>
+    </p:extLst>
+  </p:cSld>
+  <p:clrMapOvr>
+    <a:masterClrMapping/>
+  </p:clrMapOvr>
+</p:notes>
+</file>
+
 <file path=ppt/slideLayouts/slideLayout1.xml><?xml version="1.0" encoding="utf-8"?>
 <p:sldLayout xmlns:a="http://schemas.openxmlformats.org/drawingml/2006/main" xmlns:r="http://schemas.openxmlformats.org/officeDocument/2006/relationships" xmlns:p="http://schemas.openxmlformats.org/presentationml/2006/main" type="title" preserve="1">
   <p:cSld name="Title Slide">
@@ -360,7 +797,7 @@
           <a:p>
             <a:fld id="{ED291B17-9318-49DB-B28B-6E5994AE9581}" type="datetime1">
               <a:rPr lang="en-US" smtClean="0"/>
-              <a:t>3/24/2025</a:t>
+              <a:t>3/26/2025</a:t>
             </a:fld>
             <a:endParaRPr lang="en-US" dirty="0"/>
           </a:p>
@@ -563,7 +1000,7 @@
           <a:p>
             <a:fld id="{2CED4963-E985-44C4-B8C4-FDD613B7C2F8}" type="datetime1">
               <a:rPr lang="en-US" smtClean="0"/>
-              <a:t>3/24/2025</a:t>
+              <a:t>3/26/2025</a:t>
             </a:fld>
             <a:endParaRPr lang="en-US" dirty="0"/>
           </a:p>
@@ -925,7 +1362,7 @@
           <a:p>
             <a:fld id="{ED291B17-9318-49DB-B28B-6E5994AE9581}" type="datetime1">
               <a:rPr lang="en-US" smtClean="0"/>
-              <a:t>3/24/2025</a:t>
+              <a:t>3/26/2025</a:t>
             </a:fld>
             <a:endParaRPr lang="en-US" dirty="0"/>
           </a:p>
@@ -1123,7 +1560,7 @@
           <a:p>
             <a:fld id="{78DD82B9-B8EE-4375-B6FF-88FA6ABB15D9}" type="datetime1">
               <a:rPr lang="en-US" smtClean="0"/>
-              <a:t>3/24/2025</a:t>
+              <a:t>3/26/2025</a:t>
             </a:fld>
             <a:endParaRPr lang="en-US" dirty="0"/>
           </a:p>
@@ -1435,7 +1872,7 @@
           <a:p>
             <a:fld id="{B2497495-0637-405E-AE64-5CC7506D51F5}" type="datetime1">
               <a:rPr lang="en-US" smtClean="0"/>
-              <a:t>3/24/2025</a:t>
+              <a:t>3/26/2025</a:t>
             </a:fld>
             <a:endParaRPr lang="en-US" dirty="0"/>
           </a:p>
@@ -1688,7 +2125,7 @@
           <a:p>
             <a:fld id="{7BFFD690-9426-415D-8B65-26881E07B2D4}" type="datetime1">
               <a:rPr lang="en-US" smtClean="0"/>
-              <a:t>3/24/2025</a:t>
+              <a:t>3/26/2025</a:t>
             </a:fld>
             <a:endParaRPr lang="en-US" dirty="0"/>
           </a:p>
@@ -2110,7 +2547,7 @@
           <a:p>
             <a:fld id="{04C4989A-474C-40DE-95B9-011C28B71673}" type="datetime1">
               <a:rPr lang="en-US" smtClean="0"/>
-              <a:t>3/24/2025</a:t>
+              <a:t>3/26/2025</a:t>
             </a:fld>
             <a:endParaRPr lang="en-US" dirty="0"/>
           </a:p>
@@ -2233,7 +2670,7 @@
           <a:p>
             <a:fld id="{5DB4ED54-5B5E-4A04-93D3-5772E3CE3818}" type="datetime1">
               <a:rPr lang="en-US" smtClean="0"/>
-              <a:t>3/24/2025</a:t>
+              <a:t>3/26/2025</a:t>
             </a:fld>
             <a:endParaRPr lang="en-US" dirty="0"/>
           </a:p>
@@ -2328,7 +2765,7 @@
           <a:p>
             <a:fld id="{4EDE50D6-574B-40AF-946F-D52A04ADE379}" type="datetime1">
               <a:rPr lang="en-US" smtClean="0"/>
-              <a:t>3/24/2025</a:t>
+              <a:t>3/26/2025</a:t>
             </a:fld>
             <a:endParaRPr lang="en-US" dirty="0"/>
           </a:p>
@@ -2705,7 +3142,7 @@
           <a:p>
             <a:fld id="{D82884F1-FFEA-405F-9602-3DCA865EDA4E}" type="datetime1">
               <a:rPr lang="en-US" smtClean="0"/>
-              <a:t>3/24/2025</a:t>
+              <a:t>3/26/2025</a:t>
             </a:fld>
             <a:endParaRPr lang="en-US" dirty="0"/>
           </a:p>
@@ -2998,7 +3435,7 @@
           <a:p>
             <a:fld id="{7E18DB4A-8810-4A10-AD5C-D5E2C667F5B3}" type="datetime1">
               <a:rPr lang="en-US" smtClean="0"/>
-              <a:t>3/24/2025</a:t>
+              <a:t>3/26/2025</a:t>
             </a:fld>
             <a:endParaRPr lang="en-US" dirty="0"/>
           </a:p>
@@ -3213,7 +3650,7 @@
           <a:p>
             <a:fld id="{ED291B17-9318-49DB-B28B-6E5994AE9581}" type="datetime1">
               <a:rPr lang="en-US" smtClean="0"/>
-              <a:t>3/24/2025</a:t>
+              <a:t>3/26/2025</a:t>
             </a:fld>
             <a:endParaRPr lang="en-US" dirty="0"/>
           </a:p>
@@ -4311,11 +4748,11 @@
   <p:clrMapOvr>
     <a:masterClrMapping/>
   </p:clrMapOvr>
-  <mc:AlternateContent xmlns:mc="http://schemas.openxmlformats.org/markup-compatibility/2006">
-    <mc:Choice xmlns:p14="http://schemas.microsoft.com/office/powerpoint/2010/main" Requires="p14">
+  <mc:AlternateContent xmlns:mc="http://schemas.openxmlformats.org/markup-compatibility/2006" xmlns:p14="http://schemas.microsoft.com/office/powerpoint/2010/main">
+    <mc:Choice Requires="p14">
       <p:transition spd="slow" p14:dur="2000" advTm="3981"/>
     </mc:Choice>
-    <mc:Fallback>
+    <mc:Fallback xmlns="">
       <p:transition spd="slow" advTm="3981"/>
     </mc:Fallback>
   </mc:AlternateContent>
@@ -4632,12 +5069,14 @@
         </p:nvSpPr>
         <p:spPr>
           <a:xfrm>
-            <a:off x="581192" y="464031"/>
-            <a:ext cx="11029616" cy="546541"/>
-          </a:xfrm>
-        </p:spPr>
-        <p:txBody>
-          <a:bodyPr/>
+            <a:off x="581192" y="464032"/>
+            <a:ext cx="11029616" cy="489698"/>
+          </a:xfrm>
+        </p:spPr>
+        <p:txBody>
+          <a:bodyPr>
+            <a:normAutofit fontScale="90000"/>
+          </a:bodyPr>
           <a:lstStyle/>
           <a:p>
             <a:r>
@@ -4647,3701 +5086,96 @@
           </a:p>
         </p:txBody>
       </p:sp>
-      <p:sp>
-        <p:nvSpPr>
-          <p:cNvPr id="6" name="Content Placeholder 5">
+      <p:pic>
+        <p:nvPicPr>
+          <p:cNvPr id="8" name="Picture 7">
             <a:extLst>
               <a:ext uri="{FF2B5EF4-FFF2-40B4-BE49-F238E27FC236}">
-                <a16:creationId xmlns:a16="http://schemas.microsoft.com/office/drawing/2014/main" id="{D13B4A1C-BC56-919D-890A-12B9D4FDB828}"/>
+                <a16:creationId xmlns:a16="http://schemas.microsoft.com/office/drawing/2014/main" id="{974705FE-C9C1-919D-0013-A741CC79DDB6}"/>
               </a:ext>
             </a:extLst>
           </p:cNvPr>
-          <p:cNvSpPr>
-            <a:spLocks noGrp="1"/>
-          </p:cNvSpPr>
-          <p:nvPr>
-            <p:ph idx="1"/>
-          </p:nvPr>
-        </p:nvSpPr>
-        <p:spPr/>
-        <p:txBody>
-          <a:bodyPr/>
-          <a:lstStyle/>
-          <a:p>
-            <a:endParaRPr lang="en-IN"/>
-          </a:p>
-        </p:txBody>
-      </p:sp>
-      <p:sp>
-        <p:nvSpPr>
-          <p:cNvPr id="7" name="Rectangle 3">
+          <p:cNvPicPr>
+            <a:picLocks noChangeAspect="1"/>
+          </p:cNvPicPr>
+          <p:nvPr/>
+        </p:nvPicPr>
+        <p:blipFill>
+          <a:blip r:embed="rId3"/>
+          <a:stretch>
+            <a:fillRect/>
+          </a:stretch>
+        </p:blipFill>
+        <p:spPr>
+          <a:xfrm>
+            <a:off x="581192" y="874449"/>
+            <a:ext cx="5278834" cy="3870522"/>
+          </a:xfrm>
+          <a:prstGeom prst="rect">
+            <a:avLst/>
+          </a:prstGeom>
+        </p:spPr>
+      </p:pic>
+      <p:pic>
+        <p:nvPicPr>
+          <p:cNvPr id="9" name="Picture 8">
             <a:extLst>
               <a:ext uri="{FF2B5EF4-FFF2-40B4-BE49-F238E27FC236}">
-                <a16:creationId xmlns:a16="http://schemas.microsoft.com/office/drawing/2014/main" id="{FCF586DD-B77D-614D-C32A-34329DD50EF2}"/>
+                <a16:creationId xmlns:a16="http://schemas.microsoft.com/office/drawing/2014/main" id="{315A2F10-5D15-84AA-4D11-DDB46839461A}"/>
               </a:ext>
             </a:extLst>
           </p:cNvPr>
-          <p:cNvSpPr>
-            <a:spLocks noChangeArrowheads="1"/>
-          </p:cNvSpPr>
+          <p:cNvPicPr>
+            <a:picLocks noChangeAspect="1"/>
+          </p:cNvPicPr>
           <p:nvPr/>
-        </p:nvSpPr>
-        <p:spPr bwMode="auto">
-          <a:xfrm>
-            <a:off x="471948" y="882650"/>
-            <a:ext cx="11385755" cy="5891776"/>
+        </p:nvPicPr>
+        <p:blipFill>
+          <a:blip r:embed="rId4"/>
+          <a:stretch>
+            <a:fillRect/>
+          </a:stretch>
+        </p:blipFill>
+        <p:spPr>
+          <a:xfrm>
+            <a:off x="581192" y="4834538"/>
+            <a:ext cx="5278834" cy="1859815"/>
           </a:xfrm>
           <a:prstGeom prst="rect">
             <a:avLst/>
           </a:prstGeom>
-          <a:solidFill>
-            <a:srgbClr val="1E1F22"/>
-          </a:solidFill>
-          <a:ln>
-            <a:noFill/>
-          </a:ln>
-          <a:effectLst/>
-          <a:extLst>
-            <a:ext uri="{91240B29-F687-4F45-9708-019B960494DF}">
-              <a14:hiddenLine xmlns:a14="http://schemas.microsoft.com/office/drawing/2010/main" w="9525">
-                <a:solidFill>
-                  <a:schemeClr val="tx1"/>
-                </a:solidFill>
-                <a:miter lim="800000"/>
-                <a:headEnd/>
-                <a:tailEnd/>
-              </a14:hiddenLine>
-            </a:ext>
-            <a:ext uri="{AF507438-7753-43E0-B8FC-AC1667EBCBE1}">
-              <a14:hiddenEffects xmlns:a14="http://schemas.microsoft.com/office/drawing/2010/main">
-                <a:effectLst>
-                  <a:outerShdw dist="35921" dir="2700000" algn="ctr" rotWithShape="0">
-                    <a:schemeClr val="bg2"/>
-                  </a:outerShdw>
-                </a:effectLst>
-              </a14:hiddenEffects>
-            </a:ext>
-          </a:extLst>
-        </p:spPr>
-        <p:txBody>
-          <a:bodyPr vert="horz" wrap="square" lIns="91440" tIns="45720" rIns="91440" bIns="45720" numCol="1" anchor="ctr" anchorCtr="0" compatLnSpc="1">
-            <a:prstTxWarp prst="textNoShape">
-              <a:avLst/>
-            </a:prstTxWarp>
-            <a:spAutoFit/>
-          </a:bodyPr>
-          <a:lstStyle/>
-          <a:p>
-            <a:pPr marL="0" marR="0" lvl="0" indent="0" algn="l" defTabSz="914400" rtl="0" eaLnBrk="0" fontAlgn="base" latinLnBrk="0" hangingPunct="0">
-              <a:lnSpc>
-                <a:spcPct val="100000"/>
-              </a:lnSpc>
-              <a:spcBef>
-                <a:spcPct val="0"/>
-              </a:spcBef>
-              <a:spcAft>
-                <a:spcPct val="0"/>
-              </a:spcAft>
-              <a:buClrTx/>
-              <a:buSzTx/>
-              <a:buFontTx/>
-              <a:buNone/>
-              <a:tabLst/>
-            </a:pPr>
-            <a:r>
-              <a:rPr kumimoji="0" lang="en-US" altLang="en-US" sz="800" b="0" i="0" u="none" strike="noStrike" cap="none" normalizeH="0" baseline="0" dirty="0">
-                <a:ln>
-                  <a:noFill/>
-                </a:ln>
-                <a:solidFill>
-                  <a:srgbClr val="CF8E6D"/>
-                </a:solidFill>
-                <a:effectLst/>
-                <a:latin typeface="JetBrains Mono"/>
-              </a:rPr>
-              <a:t>from </a:t>
-            </a:r>
-            <a:r>
-              <a:rPr kumimoji="0" lang="en-US" altLang="en-US" sz="800" b="0" i="0" u="none" strike="noStrike" cap="none" normalizeH="0" baseline="0" dirty="0" err="1">
-                <a:ln>
-                  <a:noFill/>
-                </a:ln>
-                <a:solidFill>
-                  <a:srgbClr val="BCBEC4"/>
-                </a:solidFill>
-                <a:effectLst/>
-                <a:latin typeface="JetBrains Mono"/>
-              </a:rPr>
-              <a:t>nbformat</a:t>
-            </a:r>
-            <a:r>
-              <a:rPr kumimoji="0" lang="en-US" altLang="en-US" sz="800" b="0" i="0" u="none" strike="noStrike" cap="none" normalizeH="0" baseline="0" dirty="0">
-                <a:ln>
-                  <a:noFill/>
-                </a:ln>
-                <a:solidFill>
-                  <a:srgbClr val="BCBEC4"/>
-                </a:solidFill>
-                <a:effectLst/>
-                <a:latin typeface="JetBrains Mono"/>
-              </a:rPr>
-              <a:t> </a:t>
-            </a:r>
-            <a:r>
-              <a:rPr kumimoji="0" lang="en-US" altLang="en-US" sz="800" b="0" i="0" u="none" strike="noStrike" cap="none" normalizeH="0" baseline="0" dirty="0">
-                <a:ln>
-                  <a:noFill/>
-                </a:ln>
-                <a:solidFill>
-                  <a:srgbClr val="CF8E6D"/>
-                </a:solidFill>
-                <a:effectLst/>
-                <a:latin typeface="JetBrains Mono"/>
-              </a:rPr>
-              <a:t>import </a:t>
-            </a:r>
-            <a:r>
-              <a:rPr kumimoji="0" lang="en-US" altLang="en-US" sz="800" b="0" i="0" u="none" strike="noStrike" cap="none" normalizeH="0" baseline="0" dirty="0">
-                <a:ln>
-                  <a:noFill/>
-                </a:ln>
-                <a:solidFill>
-                  <a:srgbClr val="BCBEC4"/>
-                </a:solidFill>
-                <a:effectLst/>
-                <a:latin typeface="JetBrains Mono"/>
-              </a:rPr>
-              <a:t>write</a:t>
-            </a:r>
-            <a:br>
-              <a:rPr kumimoji="0" lang="en-US" altLang="en-US" sz="800" b="0" i="0" u="none" strike="noStrike" cap="none" normalizeH="0" baseline="0" dirty="0">
-                <a:ln>
-                  <a:noFill/>
-                </a:ln>
-                <a:solidFill>
-                  <a:srgbClr val="BCBEC4"/>
-                </a:solidFill>
-                <a:effectLst/>
-                <a:latin typeface="JetBrains Mono"/>
-              </a:rPr>
-            </a:br>
-            <a:r>
-              <a:rPr kumimoji="0" lang="en-US" altLang="en-US" sz="800" b="0" i="0" u="none" strike="noStrike" cap="none" normalizeH="0" baseline="0" dirty="0">
-                <a:ln>
-                  <a:noFill/>
-                </a:ln>
-                <a:solidFill>
-                  <a:srgbClr val="CF8E6D"/>
-                </a:solidFill>
-                <a:effectLst/>
-                <a:latin typeface="JetBrains Mono"/>
-              </a:rPr>
-              <a:t>from </a:t>
-            </a:r>
-            <a:r>
-              <a:rPr kumimoji="0" lang="en-US" altLang="en-US" sz="800" b="0" i="0" u="none" strike="noStrike" cap="none" normalizeH="0" baseline="0" dirty="0" err="1">
-                <a:ln>
-                  <a:noFill/>
-                </a:ln>
-                <a:solidFill>
-                  <a:srgbClr val="BCBEC4"/>
-                </a:solidFill>
-                <a:effectLst/>
-                <a:latin typeface="JetBrains Mono"/>
-              </a:rPr>
-              <a:t>bardapi</a:t>
-            </a:r>
-            <a:r>
-              <a:rPr kumimoji="0" lang="en-US" altLang="en-US" sz="800" b="0" i="0" u="none" strike="noStrike" cap="none" normalizeH="0" baseline="0" dirty="0">
-                <a:ln>
-                  <a:noFill/>
-                </a:ln>
-                <a:solidFill>
-                  <a:srgbClr val="BCBEC4"/>
-                </a:solidFill>
-                <a:effectLst/>
-                <a:latin typeface="JetBrains Mono"/>
-              </a:rPr>
-              <a:t> </a:t>
-            </a:r>
-            <a:r>
-              <a:rPr kumimoji="0" lang="en-US" altLang="en-US" sz="800" b="0" i="0" u="none" strike="noStrike" cap="none" normalizeH="0" baseline="0" dirty="0">
-                <a:ln>
-                  <a:noFill/>
-                </a:ln>
-                <a:solidFill>
-                  <a:srgbClr val="CF8E6D"/>
-                </a:solidFill>
-                <a:effectLst/>
-                <a:latin typeface="JetBrains Mono"/>
-              </a:rPr>
-              <a:t>import </a:t>
-            </a:r>
-            <a:r>
-              <a:rPr kumimoji="0" lang="en-US" altLang="en-US" sz="800" b="0" i="0" u="none" strike="noStrike" cap="none" normalizeH="0" baseline="0" dirty="0">
-                <a:ln>
-                  <a:noFill/>
-                </a:ln>
-                <a:solidFill>
-                  <a:srgbClr val="BCBEC4"/>
-                </a:solidFill>
-                <a:effectLst/>
-                <a:latin typeface="JetBrains Mono"/>
-              </a:rPr>
-              <a:t>Bard</a:t>
-            </a:r>
-            <a:br>
-              <a:rPr kumimoji="0" lang="en-US" altLang="en-US" sz="800" b="0" i="0" u="none" strike="noStrike" cap="none" normalizeH="0" baseline="0" dirty="0">
-                <a:ln>
-                  <a:noFill/>
-                </a:ln>
-                <a:solidFill>
-                  <a:srgbClr val="BCBEC4"/>
-                </a:solidFill>
-                <a:effectLst/>
-                <a:latin typeface="JetBrains Mono"/>
-              </a:rPr>
-            </a:br>
-            <a:r>
-              <a:rPr kumimoji="0" lang="en-US" altLang="en-US" sz="800" b="0" i="0" u="none" strike="noStrike" cap="none" normalizeH="0" baseline="0" dirty="0">
-                <a:ln>
-                  <a:noFill/>
-                </a:ln>
-                <a:solidFill>
-                  <a:srgbClr val="CF8E6D"/>
-                </a:solidFill>
-                <a:effectLst/>
-                <a:latin typeface="JetBrains Mono"/>
-              </a:rPr>
-              <a:t>import </a:t>
-            </a:r>
-            <a:r>
-              <a:rPr kumimoji="0" lang="en-US" altLang="en-US" sz="800" b="0" i="0" u="none" strike="noStrike" cap="none" normalizeH="0" baseline="0" dirty="0" err="1">
-                <a:ln>
-                  <a:noFill/>
-                </a:ln>
-                <a:solidFill>
-                  <a:srgbClr val="BCBEC4"/>
-                </a:solidFill>
-                <a:effectLst/>
-                <a:latin typeface="JetBrains Mono"/>
-              </a:rPr>
-              <a:t>os</a:t>
-            </a:r>
-            <a:br>
-              <a:rPr kumimoji="0" lang="en-US" altLang="en-US" sz="800" b="0" i="0" u="none" strike="noStrike" cap="none" normalizeH="0" baseline="0" dirty="0">
-                <a:ln>
-                  <a:noFill/>
-                </a:ln>
-                <a:solidFill>
-                  <a:srgbClr val="BCBEC4"/>
-                </a:solidFill>
-                <a:effectLst/>
-                <a:latin typeface="JetBrains Mono"/>
-              </a:rPr>
-            </a:br>
-            <a:r>
-              <a:rPr kumimoji="0" lang="en-US" altLang="en-US" sz="800" b="0" i="0" u="none" strike="noStrike" cap="none" normalizeH="0" baseline="0" dirty="0">
-                <a:ln>
-                  <a:noFill/>
-                </a:ln>
-                <a:solidFill>
-                  <a:srgbClr val="CF8E6D"/>
-                </a:solidFill>
-                <a:effectLst/>
-                <a:latin typeface="JetBrains Mono"/>
-              </a:rPr>
-              <a:t>import </a:t>
-            </a:r>
-            <a:r>
-              <a:rPr kumimoji="0" lang="en-US" altLang="en-US" sz="800" b="0" i="0" u="none" strike="noStrike" cap="none" normalizeH="0" baseline="0" dirty="0" err="1">
-                <a:ln>
-                  <a:noFill/>
-                </a:ln>
-                <a:solidFill>
-                  <a:srgbClr val="BCBEC4"/>
-                </a:solidFill>
-                <a:effectLst/>
-                <a:latin typeface="JetBrains Mono"/>
-              </a:rPr>
-              <a:t>streamlit</a:t>
-            </a:r>
-            <a:r>
-              <a:rPr kumimoji="0" lang="en-US" altLang="en-US" sz="800" b="0" i="0" u="none" strike="noStrike" cap="none" normalizeH="0" baseline="0" dirty="0">
-                <a:ln>
-                  <a:noFill/>
-                </a:ln>
-                <a:solidFill>
-                  <a:srgbClr val="BCBEC4"/>
-                </a:solidFill>
-                <a:effectLst/>
-                <a:latin typeface="JetBrains Mono"/>
-              </a:rPr>
-              <a:t> </a:t>
-            </a:r>
-            <a:r>
-              <a:rPr kumimoji="0" lang="en-US" altLang="en-US" sz="800" b="0" i="0" u="none" strike="noStrike" cap="none" normalizeH="0" baseline="0" dirty="0">
-                <a:ln>
-                  <a:noFill/>
-                </a:ln>
-                <a:solidFill>
-                  <a:srgbClr val="CF8E6D"/>
-                </a:solidFill>
-                <a:effectLst/>
-                <a:latin typeface="JetBrains Mono"/>
-              </a:rPr>
-              <a:t>as </a:t>
-            </a:r>
-            <a:r>
-              <a:rPr kumimoji="0" lang="en-US" altLang="en-US" sz="800" b="0" i="0" u="none" strike="noStrike" cap="none" normalizeH="0" baseline="0" dirty="0" err="1">
-                <a:ln>
-                  <a:noFill/>
-                </a:ln>
-                <a:solidFill>
-                  <a:srgbClr val="BCBEC4"/>
-                </a:solidFill>
-                <a:effectLst/>
-                <a:latin typeface="JetBrains Mono"/>
-              </a:rPr>
-              <a:t>st</a:t>
-            </a:r>
-            <a:br>
-              <a:rPr kumimoji="0" lang="en-US" altLang="en-US" sz="800" b="0" i="0" u="none" strike="noStrike" cap="none" normalizeH="0" baseline="0" dirty="0">
-                <a:ln>
-                  <a:noFill/>
-                </a:ln>
-                <a:solidFill>
-                  <a:srgbClr val="BCBEC4"/>
-                </a:solidFill>
-                <a:effectLst/>
-                <a:latin typeface="JetBrains Mono"/>
-              </a:rPr>
-            </a:br>
-            <a:r>
-              <a:rPr kumimoji="0" lang="en-US" altLang="en-US" sz="800" b="0" i="0" u="none" strike="noStrike" cap="none" normalizeH="0" baseline="0" dirty="0">
-                <a:ln>
-                  <a:noFill/>
-                </a:ln>
-                <a:solidFill>
-                  <a:srgbClr val="CF8E6D"/>
-                </a:solidFill>
-                <a:effectLst/>
-                <a:latin typeface="JetBrains Mono"/>
-              </a:rPr>
-              <a:t>import </a:t>
-            </a:r>
-            <a:r>
-              <a:rPr kumimoji="0" lang="en-US" altLang="en-US" sz="800" b="0" i="0" u="none" strike="noStrike" cap="none" normalizeH="0" baseline="0" dirty="0">
-                <a:ln>
-                  <a:noFill/>
-                </a:ln>
-                <a:solidFill>
-                  <a:srgbClr val="BCBEC4"/>
-                </a:solidFill>
-                <a:effectLst/>
-                <a:latin typeface="JetBrains Mono"/>
-              </a:rPr>
-              <a:t>pandas </a:t>
-            </a:r>
-            <a:r>
-              <a:rPr kumimoji="0" lang="en-US" altLang="en-US" sz="800" b="0" i="0" u="none" strike="noStrike" cap="none" normalizeH="0" baseline="0" dirty="0">
-                <a:ln>
-                  <a:noFill/>
-                </a:ln>
-                <a:solidFill>
-                  <a:srgbClr val="CF8E6D"/>
-                </a:solidFill>
-                <a:effectLst/>
-                <a:latin typeface="JetBrains Mono"/>
-              </a:rPr>
-              <a:t>as </a:t>
-            </a:r>
-            <a:r>
-              <a:rPr kumimoji="0" lang="en-US" altLang="en-US" sz="800" b="0" i="0" u="none" strike="noStrike" cap="none" normalizeH="0" baseline="0" dirty="0">
-                <a:ln>
-                  <a:noFill/>
-                </a:ln>
-                <a:solidFill>
-                  <a:srgbClr val="BCBEC4"/>
-                </a:solidFill>
-                <a:effectLst/>
-                <a:latin typeface="JetBrains Mono"/>
-              </a:rPr>
-              <a:t>pd</a:t>
-            </a:r>
-            <a:br>
-              <a:rPr kumimoji="0" lang="en-US" altLang="en-US" sz="800" b="0" i="0" u="none" strike="noStrike" cap="none" normalizeH="0" baseline="0" dirty="0">
-                <a:ln>
-                  <a:noFill/>
-                </a:ln>
-                <a:solidFill>
-                  <a:srgbClr val="BCBEC4"/>
-                </a:solidFill>
-                <a:effectLst/>
-                <a:latin typeface="JetBrains Mono"/>
-              </a:rPr>
-            </a:br>
-            <a:r>
-              <a:rPr kumimoji="0" lang="en-US" altLang="en-US" sz="800" b="0" i="0" u="none" strike="noStrike" cap="none" normalizeH="0" baseline="0" dirty="0">
-                <a:ln>
-                  <a:noFill/>
-                </a:ln>
-                <a:solidFill>
-                  <a:srgbClr val="CF8E6D"/>
-                </a:solidFill>
-                <a:effectLst/>
-                <a:latin typeface="JetBrains Mono"/>
-              </a:rPr>
-              <a:t>import </a:t>
-            </a:r>
-            <a:r>
-              <a:rPr kumimoji="0" lang="en-US" altLang="en-US" sz="800" b="0" i="0" u="none" strike="noStrike" cap="none" normalizeH="0" baseline="0" dirty="0" err="1">
-                <a:ln>
-                  <a:noFill/>
-                </a:ln>
-                <a:solidFill>
-                  <a:srgbClr val="BCBEC4"/>
-                </a:solidFill>
-                <a:effectLst/>
-                <a:latin typeface="JetBrains Mono"/>
-              </a:rPr>
-              <a:t>numpy</a:t>
-            </a:r>
-            <a:r>
-              <a:rPr kumimoji="0" lang="en-US" altLang="en-US" sz="800" b="0" i="0" u="none" strike="noStrike" cap="none" normalizeH="0" baseline="0" dirty="0">
-                <a:ln>
-                  <a:noFill/>
-                </a:ln>
-                <a:solidFill>
-                  <a:srgbClr val="BCBEC4"/>
-                </a:solidFill>
-                <a:effectLst/>
-                <a:latin typeface="JetBrains Mono"/>
-              </a:rPr>
-              <a:t> </a:t>
-            </a:r>
-            <a:r>
-              <a:rPr kumimoji="0" lang="en-US" altLang="en-US" sz="800" b="0" i="0" u="none" strike="noStrike" cap="none" normalizeH="0" baseline="0" dirty="0">
-                <a:ln>
-                  <a:noFill/>
-                </a:ln>
-                <a:solidFill>
-                  <a:srgbClr val="CF8E6D"/>
-                </a:solidFill>
-                <a:effectLst/>
-                <a:latin typeface="JetBrains Mono"/>
-              </a:rPr>
-              <a:t>as </a:t>
-            </a:r>
-            <a:r>
-              <a:rPr kumimoji="0" lang="en-US" altLang="en-US" sz="800" b="0" i="0" u="none" strike="noStrike" cap="none" normalizeH="0" baseline="0" dirty="0">
-                <a:ln>
-                  <a:noFill/>
-                </a:ln>
-                <a:solidFill>
-                  <a:srgbClr val="BCBEC4"/>
-                </a:solidFill>
-                <a:effectLst/>
-                <a:latin typeface="JetBrains Mono"/>
-              </a:rPr>
-              <a:t>np</a:t>
-            </a:r>
-            <a:br>
-              <a:rPr kumimoji="0" lang="en-US" altLang="en-US" sz="800" b="0" i="0" u="none" strike="noStrike" cap="none" normalizeH="0" baseline="0" dirty="0">
-                <a:ln>
-                  <a:noFill/>
-                </a:ln>
-                <a:solidFill>
-                  <a:srgbClr val="BCBEC4"/>
-                </a:solidFill>
-                <a:effectLst/>
-                <a:latin typeface="JetBrains Mono"/>
-              </a:rPr>
-            </a:br>
-            <a:r>
-              <a:rPr kumimoji="0" lang="en-US" altLang="en-US" sz="800" b="0" i="0" u="none" strike="noStrike" cap="none" normalizeH="0" baseline="0" dirty="0">
-                <a:ln>
-                  <a:noFill/>
-                </a:ln>
-                <a:solidFill>
-                  <a:srgbClr val="CF8E6D"/>
-                </a:solidFill>
-                <a:effectLst/>
-                <a:latin typeface="JetBrains Mono"/>
-              </a:rPr>
-              <a:t>import </a:t>
-            </a:r>
-            <a:r>
-              <a:rPr kumimoji="0" lang="en-US" altLang="en-US" sz="800" b="0" i="0" u="none" strike="noStrike" cap="none" normalizeH="0" baseline="0" dirty="0" err="1">
-                <a:ln>
-                  <a:noFill/>
-                </a:ln>
-                <a:solidFill>
-                  <a:srgbClr val="BCBEC4"/>
-                </a:solidFill>
-                <a:effectLst/>
-                <a:latin typeface="JetBrains Mono"/>
-              </a:rPr>
-              <a:t>ydata_profiling</a:t>
-            </a:r>
-            <a:br>
-              <a:rPr kumimoji="0" lang="en-US" altLang="en-US" sz="800" b="0" i="0" u="none" strike="noStrike" cap="none" normalizeH="0" baseline="0" dirty="0">
-                <a:ln>
-                  <a:noFill/>
-                </a:ln>
-                <a:solidFill>
-                  <a:srgbClr val="BCBEC4"/>
-                </a:solidFill>
-                <a:effectLst/>
-                <a:latin typeface="JetBrains Mono"/>
-              </a:rPr>
-            </a:br>
-            <a:r>
-              <a:rPr kumimoji="0" lang="en-US" altLang="en-US" sz="800" b="0" i="0" u="none" strike="noStrike" cap="none" normalizeH="0" baseline="0" dirty="0">
-                <a:ln>
-                  <a:noFill/>
-                </a:ln>
-                <a:solidFill>
-                  <a:srgbClr val="CF8E6D"/>
-                </a:solidFill>
-                <a:effectLst/>
-                <a:latin typeface="JetBrains Mono"/>
-              </a:rPr>
-              <a:t>from </a:t>
-            </a:r>
-            <a:r>
-              <a:rPr kumimoji="0" lang="en-US" altLang="en-US" sz="800" b="0" i="0" u="none" strike="noStrike" cap="none" normalizeH="0" baseline="0" dirty="0" err="1">
-                <a:ln>
-                  <a:noFill/>
-                </a:ln>
-                <a:solidFill>
-                  <a:srgbClr val="BCBEC4"/>
-                </a:solidFill>
-                <a:effectLst/>
-                <a:latin typeface="JetBrains Mono"/>
-              </a:rPr>
-              <a:t>streamlit_pandas_profiling</a:t>
-            </a:r>
-            <a:r>
-              <a:rPr kumimoji="0" lang="en-US" altLang="en-US" sz="800" b="0" i="0" u="none" strike="noStrike" cap="none" normalizeH="0" baseline="0" dirty="0">
-                <a:ln>
-                  <a:noFill/>
-                </a:ln>
-                <a:solidFill>
-                  <a:srgbClr val="BCBEC4"/>
-                </a:solidFill>
-                <a:effectLst/>
-                <a:latin typeface="JetBrains Mono"/>
-              </a:rPr>
-              <a:t> </a:t>
-            </a:r>
-            <a:r>
-              <a:rPr kumimoji="0" lang="en-US" altLang="en-US" sz="800" b="0" i="0" u="none" strike="noStrike" cap="none" normalizeH="0" baseline="0" dirty="0">
-                <a:ln>
-                  <a:noFill/>
-                </a:ln>
-                <a:solidFill>
-                  <a:srgbClr val="CF8E6D"/>
-                </a:solidFill>
-                <a:effectLst/>
-                <a:latin typeface="JetBrains Mono"/>
-              </a:rPr>
-              <a:t>import </a:t>
-            </a:r>
-            <a:r>
-              <a:rPr kumimoji="0" lang="en-US" altLang="en-US" sz="800" b="0" i="0" u="none" strike="noStrike" cap="none" normalizeH="0" baseline="0" dirty="0" err="1">
-                <a:ln>
-                  <a:noFill/>
-                </a:ln>
-                <a:solidFill>
-                  <a:srgbClr val="BCBEC4"/>
-                </a:solidFill>
-                <a:effectLst/>
-                <a:latin typeface="JetBrains Mono"/>
-              </a:rPr>
-              <a:t>st_profile_report</a:t>
-            </a:r>
-            <a:br>
-              <a:rPr kumimoji="0" lang="en-US" altLang="en-US" sz="800" b="0" i="0" u="none" strike="noStrike" cap="none" normalizeH="0" baseline="0" dirty="0">
-                <a:ln>
-                  <a:noFill/>
-                </a:ln>
-                <a:solidFill>
-                  <a:srgbClr val="BCBEC4"/>
-                </a:solidFill>
-                <a:effectLst/>
-                <a:latin typeface="JetBrains Mono"/>
-              </a:rPr>
-            </a:br>
-            <a:r>
-              <a:rPr kumimoji="0" lang="en-US" altLang="en-US" sz="800" b="0" i="0" u="none" strike="noStrike" cap="none" normalizeH="0" baseline="0" dirty="0">
-                <a:ln>
-                  <a:noFill/>
-                </a:ln>
-                <a:solidFill>
-                  <a:srgbClr val="CF8E6D"/>
-                </a:solidFill>
-                <a:effectLst/>
-                <a:latin typeface="JetBrains Mono"/>
-              </a:rPr>
-              <a:t>from </a:t>
-            </a:r>
-            <a:r>
-              <a:rPr kumimoji="0" lang="en-US" altLang="en-US" sz="800" b="0" i="0" u="none" strike="noStrike" cap="none" normalizeH="0" baseline="0" dirty="0" err="1">
-                <a:ln>
-                  <a:noFill/>
-                </a:ln>
-                <a:solidFill>
-                  <a:srgbClr val="BCBEC4"/>
-                </a:solidFill>
-                <a:effectLst/>
-                <a:latin typeface="JetBrains Mono"/>
-              </a:rPr>
-              <a:t>ydata_profiling</a:t>
-            </a:r>
-            <a:r>
-              <a:rPr kumimoji="0" lang="en-US" altLang="en-US" sz="800" b="0" i="0" u="none" strike="noStrike" cap="none" normalizeH="0" baseline="0" dirty="0">
-                <a:ln>
-                  <a:noFill/>
-                </a:ln>
-                <a:solidFill>
-                  <a:srgbClr val="BCBEC4"/>
-                </a:solidFill>
-                <a:effectLst/>
-                <a:latin typeface="JetBrains Mono"/>
-              </a:rPr>
-              <a:t> </a:t>
-            </a:r>
-            <a:r>
-              <a:rPr kumimoji="0" lang="en-US" altLang="en-US" sz="800" b="0" i="0" u="none" strike="noStrike" cap="none" normalizeH="0" baseline="0" dirty="0">
-                <a:ln>
-                  <a:noFill/>
-                </a:ln>
-                <a:solidFill>
-                  <a:srgbClr val="CF8E6D"/>
-                </a:solidFill>
-                <a:effectLst/>
-                <a:latin typeface="JetBrains Mono"/>
-              </a:rPr>
-              <a:t>import </a:t>
-            </a:r>
-            <a:r>
-              <a:rPr kumimoji="0" lang="en-US" altLang="en-US" sz="800" b="0" i="0" u="none" strike="noStrike" cap="none" normalizeH="0" baseline="0" dirty="0" err="1">
-                <a:ln>
-                  <a:noFill/>
-                </a:ln>
-                <a:solidFill>
-                  <a:srgbClr val="BCBEC4"/>
-                </a:solidFill>
-                <a:effectLst/>
-                <a:latin typeface="JetBrains Mono"/>
-              </a:rPr>
-              <a:t>ProfileReport</a:t>
-            </a:r>
-            <a:br>
-              <a:rPr kumimoji="0" lang="en-US" altLang="en-US" sz="800" b="0" i="0" u="none" strike="noStrike" cap="none" normalizeH="0" baseline="0" dirty="0">
-                <a:ln>
-                  <a:noFill/>
-                </a:ln>
-                <a:solidFill>
-                  <a:srgbClr val="BCBEC4"/>
-                </a:solidFill>
-                <a:effectLst/>
-                <a:latin typeface="JetBrains Mono"/>
-              </a:rPr>
-            </a:br>
-            <a:r>
-              <a:rPr kumimoji="0" lang="en-US" altLang="en-US" sz="800" b="0" i="0" u="none" strike="noStrike" cap="none" normalizeH="0" baseline="0" dirty="0">
-                <a:ln>
-                  <a:noFill/>
-                </a:ln>
-                <a:solidFill>
-                  <a:srgbClr val="CF8E6D"/>
-                </a:solidFill>
-                <a:effectLst/>
-                <a:latin typeface="JetBrains Mono"/>
-              </a:rPr>
-              <a:t>from </a:t>
-            </a:r>
-            <a:r>
-              <a:rPr kumimoji="0" lang="en-US" altLang="en-US" sz="800" b="0" i="0" u="none" strike="noStrike" cap="none" normalizeH="0" baseline="0" dirty="0">
-                <a:ln>
-                  <a:noFill/>
-                </a:ln>
-                <a:solidFill>
-                  <a:srgbClr val="BCBEC4"/>
-                </a:solidFill>
-                <a:effectLst/>
-                <a:latin typeface="JetBrains Mono"/>
-              </a:rPr>
-              <a:t>transformers </a:t>
-            </a:r>
-            <a:r>
-              <a:rPr kumimoji="0" lang="en-US" altLang="en-US" sz="800" b="0" i="0" u="none" strike="noStrike" cap="none" normalizeH="0" baseline="0" dirty="0">
-                <a:ln>
-                  <a:noFill/>
-                </a:ln>
-                <a:solidFill>
-                  <a:srgbClr val="CF8E6D"/>
-                </a:solidFill>
-                <a:effectLst/>
-                <a:latin typeface="JetBrains Mono"/>
-              </a:rPr>
-              <a:t>import </a:t>
-            </a:r>
-            <a:r>
-              <a:rPr kumimoji="0" lang="en-US" altLang="en-US" sz="800" b="0" i="0" u="none" strike="noStrike" cap="none" normalizeH="0" baseline="0" dirty="0">
-                <a:ln>
-                  <a:noFill/>
-                </a:ln>
-                <a:solidFill>
-                  <a:srgbClr val="BCBEC4"/>
-                </a:solidFill>
-                <a:effectLst/>
-                <a:latin typeface="JetBrains Mono"/>
-              </a:rPr>
-              <a:t>pipeline</a:t>
-            </a:r>
-            <a:br>
-              <a:rPr kumimoji="0" lang="en-US" altLang="en-US" sz="800" b="0" i="0" u="none" strike="noStrike" cap="none" normalizeH="0" baseline="0" dirty="0">
-                <a:ln>
-                  <a:noFill/>
-                </a:ln>
-                <a:solidFill>
-                  <a:srgbClr val="BCBEC4"/>
-                </a:solidFill>
-                <a:effectLst/>
-                <a:latin typeface="JetBrains Mono"/>
-              </a:rPr>
-            </a:br>
-            <a:br>
-              <a:rPr kumimoji="0" lang="en-US" altLang="en-US" sz="800" b="0" i="0" u="none" strike="noStrike" cap="none" normalizeH="0" baseline="0" dirty="0">
-                <a:ln>
-                  <a:noFill/>
-                </a:ln>
-                <a:solidFill>
-                  <a:srgbClr val="BCBEC4"/>
-                </a:solidFill>
-                <a:effectLst/>
-                <a:latin typeface="JetBrains Mono"/>
-              </a:rPr>
-            </a:br>
-            <a:r>
-              <a:rPr kumimoji="0" lang="en-US" altLang="en-US" sz="800" b="0" i="0" u="none" strike="noStrike" cap="none" normalizeH="0" baseline="0" dirty="0">
-                <a:ln>
-                  <a:noFill/>
-                </a:ln>
-                <a:solidFill>
-                  <a:srgbClr val="8888C6"/>
-                </a:solidFill>
-                <a:effectLst/>
-                <a:latin typeface="JetBrains Mono"/>
-              </a:rPr>
-              <a:t>print</a:t>
-            </a:r>
-            <a:r>
-              <a:rPr kumimoji="0" lang="en-US" altLang="en-US" sz="800" b="0" i="0" u="none" strike="noStrike" cap="none" normalizeH="0" baseline="0" dirty="0">
-                <a:ln>
-                  <a:noFill/>
-                </a:ln>
-                <a:solidFill>
-                  <a:srgbClr val="BCBEC4"/>
-                </a:solidFill>
-                <a:effectLst/>
-                <a:latin typeface="JetBrains Mono"/>
-              </a:rPr>
-              <a:t>(</a:t>
-            </a:r>
-            <a:r>
-              <a:rPr kumimoji="0" lang="en-US" altLang="en-US" sz="800" b="0" i="0" u="none" strike="noStrike" cap="none" normalizeH="0" baseline="0" dirty="0">
-                <a:ln>
-                  <a:noFill/>
-                </a:ln>
-                <a:solidFill>
-                  <a:srgbClr val="6AAB73"/>
-                </a:solidFill>
-                <a:effectLst/>
-                <a:latin typeface="JetBrains Mono"/>
-              </a:rPr>
-              <a:t>"Hello, PyCharm!"</a:t>
-            </a:r>
-            <a:r>
-              <a:rPr kumimoji="0" lang="en-US" altLang="en-US" sz="800" b="0" i="0" u="none" strike="noStrike" cap="none" normalizeH="0" baseline="0" dirty="0">
-                <a:ln>
-                  <a:noFill/>
-                </a:ln>
-                <a:solidFill>
-                  <a:srgbClr val="BCBEC4"/>
-                </a:solidFill>
-                <a:effectLst/>
-                <a:latin typeface="JetBrains Mono"/>
-              </a:rPr>
-              <a:t>)</a:t>
-            </a:r>
-            <a:br>
-              <a:rPr kumimoji="0" lang="en-US" altLang="en-US" sz="800" b="0" i="0" u="none" strike="noStrike" cap="none" normalizeH="0" baseline="0" dirty="0">
-                <a:ln>
-                  <a:noFill/>
-                </a:ln>
-                <a:solidFill>
-                  <a:srgbClr val="BCBEC4"/>
-                </a:solidFill>
-                <a:effectLst/>
-                <a:latin typeface="JetBrains Mono"/>
-              </a:rPr>
-            </a:br>
-            <a:r>
-              <a:rPr kumimoji="0" lang="en-US" altLang="en-US" sz="800" b="0" i="0" u="none" strike="noStrike" cap="none" normalizeH="0" baseline="0" dirty="0" err="1">
-                <a:ln>
-                  <a:noFill/>
-                </a:ln>
-                <a:solidFill>
-                  <a:srgbClr val="BCBEC4"/>
-                </a:solidFill>
-                <a:effectLst/>
-                <a:latin typeface="JetBrains Mono"/>
-              </a:rPr>
-              <a:t>st.title</a:t>
-            </a:r>
-            <a:r>
-              <a:rPr kumimoji="0" lang="en-US" altLang="en-US" sz="800" b="0" i="0" u="none" strike="noStrike" cap="none" normalizeH="0" baseline="0" dirty="0">
-                <a:ln>
-                  <a:noFill/>
-                </a:ln>
-                <a:solidFill>
-                  <a:srgbClr val="BCBEC4"/>
-                </a:solidFill>
-                <a:effectLst/>
-                <a:latin typeface="JetBrains Mono"/>
-              </a:rPr>
-              <a:t>(</a:t>
-            </a:r>
-            <a:r>
-              <a:rPr kumimoji="0" lang="en-US" altLang="en-US" sz="800" b="0" i="0" u="none" strike="noStrike" cap="none" normalizeH="0" baseline="0" dirty="0">
-                <a:ln>
-                  <a:noFill/>
-                </a:ln>
-                <a:solidFill>
-                  <a:srgbClr val="6AAB73"/>
-                </a:solidFill>
-                <a:effectLst/>
-                <a:latin typeface="JetBrains Mono"/>
-              </a:rPr>
-              <a:t>"Data Profiling App"</a:t>
-            </a:r>
-            <a:r>
-              <a:rPr kumimoji="0" lang="en-US" altLang="en-US" sz="800" b="0" i="0" u="none" strike="noStrike" cap="none" normalizeH="0" baseline="0" dirty="0">
-                <a:ln>
-                  <a:noFill/>
-                </a:ln>
-                <a:solidFill>
-                  <a:srgbClr val="BCBEC4"/>
-                </a:solidFill>
-                <a:effectLst/>
-                <a:latin typeface="JetBrains Mono"/>
-              </a:rPr>
-              <a:t>)</a:t>
-            </a:r>
-            <a:br>
-              <a:rPr kumimoji="0" lang="en-US" altLang="en-US" sz="800" b="0" i="0" u="none" strike="noStrike" cap="none" normalizeH="0" baseline="0" dirty="0">
-                <a:ln>
-                  <a:noFill/>
-                </a:ln>
-                <a:solidFill>
-                  <a:srgbClr val="BCBEC4"/>
-                </a:solidFill>
-                <a:effectLst/>
-                <a:latin typeface="JetBrains Mono"/>
-              </a:rPr>
-            </a:br>
-            <a:r>
-              <a:rPr kumimoji="0" lang="en-US" altLang="en-US" sz="800" b="0" i="0" u="none" strike="noStrike" cap="none" normalizeH="0" baseline="0" dirty="0" err="1">
-                <a:ln>
-                  <a:noFill/>
-                </a:ln>
-                <a:solidFill>
-                  <a:srgbClr val="BCBEC4"/>
-                </a:solidFill>
-                <a:effectLst/>
-                <a:latin typeface="JetBrains Mono"/>
-              </a:rPr>
-              <a:t>st.subheader</a:t>
-            </a:r>
-            <a:r>
-              <a:rPr kumimoji="0" lang="en-US" altLang="en-US" sz="800" b="0" i="0" u="none" strike="noStrike" cap="none" normalizeH="0" baseline="0" dirty="0">
-                <a:ln>
-                  <a:noFill/>
-                </a:ln>
-                <a:solidFill>
-                  <a:srgbClr val="BCBEC4"/>
-                </a:solidFill>
-                <a:effectLst/>
-                <a:latin typeface="JetBrains Mono"/>
-              </a:rPr>
-              <a:t>(</a:t>
-            </a:r>
-            <a:r>
-              <a:rPr kumimoji="0" lang="en-US" altLang="en-US" sz="800" b="0" i="0" u="none" strike="noStrike" cap="none" normalizeH="0" baseline="0" dirty="0">
-                <a:ln>
-                  <a:noFill/>
-                </a:ln>
-                <a:solidFill>
-                  <a:srgbClr val="6AAB73"/>
-                </a:solidFill>
-                <a:effectLst/>
-                <a:latin typeface="JetBrains Mono"/>
-              </a:rPr>
-              <a:t>"This app will help you to do Data Exploration"</a:t>
-            </a:r>
-            <a:r>
-              <a:rPr kumimoji="0" lang="en-US" altLang="en-US" sz="800" b="0" i="0" u="none" strike="noStrike" cap="none" normalizeH="0" baseline="0" dirty="0">
-                <a:ln>
-                  <a:noFill/>
-                </a:ln>
-                <a:solidFill>
-                  <a:srgbClr val="BCBEC4"/>
-                </a:solidFill>
-                <a:effectLst/>
-                <a:latin typeface="JetBrains Mono"/>
-              </a:rPr>
-              <a:t>)</a:t>
-            </a:r>
-            <a:br>
-              <a:rPr kumimoji="0" lang="en-US" altLang="en-US" sz="800" b="0" i="0" u="none" strike="noStrike" cap="none" normalizeH="0" baseline="0" dirty="0">
-                <a:ln>
-                  <a:noFill/>
-                </a:ln>
-                <a:solidFill>
-                  <a:srgbClr val="BCBEC4"/>
-                </a:solidFill>
-                <a:effectLst/>
-                <a:latin typeface="JetBrains Mono"/>
-              </a:rPr>
-            </a:br>
-            <a:r>
-              <a:rPr kumimoji="0" lang="en-US" altLang="en-US" sz="800" b="0" i="0" u="none" strike="noStrike" cap="none" normalizeH="0" baseline="0" dirty="0" err="1">
-                <a:ln>
-                  <a:noFill/>
-                </a:ln>
-                <a:solidFill>
-                  <a:srgbClr val="BCBEC4"/>
-                </a:solidFill>
-                <a:effectLst/>
-                <a:latin typeface="JetBrains Mono"/>
-              </a:rPr>
-              <a:t>st.sidebar.header</a:t>
-            </a:r>
-            <a:r>
-              <a:rPr kumimoji="0" lang="en-US" altLang="en-US" sz="800" b="0" i="0" u="none" strike="noStrike" cap="none" normalizeH="0" baseline="0" dirty="0">
-                <a:ln>
-                  <a:noFill/>
-                </a:ln>
-                <a:solidFill>
-                  <a:srgbClr val="BCBEC4"/>
-                </a:solidFill>
-                <a:effectLst/>
-                <a:latin typeface="JetBrains Mono"/>
-              </a:rPr>
-              <a:t>(</a:t>
-            </a:r>
-            <a:r>
-              <a:rPr kumimoji="0" lang="en-US" altLang="en-US" sz="800" b="0" i="0" u="none" strike="noStrike" cap="none" normalizeH="0" baseline="0" dirty="0">
-                <a:ln>
-                  <a:noFill/>
-                </a:ln>
-                <a:solidFill>
-                  <a:srgbClr val="6AAB73"/>
-                </a:solidFill>
-                <a:effectLst/>
-                <a:latin typeface="JetBrains Mono"/>
-              </a:rPr>
-              <a:t>"User Input Features"</a:t>
-            </a:r>
-            <a:r>
-              <a:rPr kumimoji="0" lang="en-US" altLang="en-US" sz="800" b="0" i="0" u="none" strike="noStrike" cap="none" normalizeH="0" baseline="0" dirty="0">
-                <a:ln>
-                  <a:noFill/>
-                </a:ln>
-                <a:solidFill>
-                  <a:srgbClr val="BCBEC4"/>
-                </a:solidFill>
-                <a:effectLst/>
-                <a:latin typeface="JetBrains Mono"/>
-              </a:rPr>
-              <a:t>)</a:t>
-            </a:r>
-            <a:br>
-              <a:rPr kumimoji="0" lang="en-US" altLang="en-US" sz="800" b="0" i="0" u="none" strike="noStrike" cap="none" normalizeH="0" baseline="0" dirty="0">
-                <a:ln>
-                  <a:noFill/>
-                </a:ln>
-                <a:solidFill>
-                  <a:srgbClr val="BCBEC4"/>
-                </a:solidFill>
-                <a:effectLst/>
-                <a:latin typeface="JetBrains Mono"/>
-              </a:rPr>
-            </a:br>
-            <a:r>
-              <a:rPr kumimoji="0" lang="en-US" altLang="en-US" sz="800" b="0" i="0" u="none" strike="noStrike" cap="none" normalizeH="0" baseline="0" dirty="0" err="1">
-                <a:ln>
-                  <a:noFill/>
-                </a:ln>
-                <a:solidFill>
-                  <a:srgbClr val="BCBEC4"/>
-                </a:solidFill>
-                <a:effectLst/>
-                <a:latin typeface="JetBrains Mono"/>
-              </a:rPr>
-              <a:t>uploaded_file</a:t>
-            </a:r>
-            <a:r>
-              <a:rPr kumimoji="0" lang="en-US" altLang="en-US" sz="800" b="0" i="0" u="none" strike="noStrike" cap="none" normalizeH="0" baseline="0" dirty="0">
-                <a:ln>
-                  <a:noFill/>
-                </a:ln>
-                <a:solidFill>
-                  <a:srgbClr val="BCBEC4"/>
-                </a:solidFill>
-                <a:effectLst/>
-                <a:latin typeface="JetBrains Mono"/>
-              </a:rPr>
-              <a:t> = </a:t>
-            </a:r>
-            <a:r>
-              <a:rPr kumimoji="0" lang="en-US" altLang="en-US" sz="800" b="0" i="0" u="none" strike="noStrike" cap="none" normalizeH="0" baseline="0" dirty="0" err="1">
-                <a:ln>
-                  <a:noFill/>
-                </a:ln>
-                <a:solidFill>
-                  <a:srgbClr val="BCBEC4"/>
-                </a:solidFill>
-                <a:effectLst/>
-                <a:latin typeface="JetBrains Mono"/>
-              </a:rPr>
-              <a:t>st.</a:t>
-            </a:r>
-            <a:r>
-              <a:rPr kumimoji="0" lang="en-US" altLang="en-US" sz="800" b="0" i="0" u="none" strike="noStrike" cap="none" normalizeH="0" baseline="0" dirty="0">
-                <a:ln>
-                  <a:noFill/>
-                </a:ln>
-                <a:solidFill>
-                  <a:srgbClr val="BCBEC4"/>
-                </a:solidFill>
-                <a:effectLst/>
-                <a:latin typeface="JetBrains Mono"/>
-              </a:rPr>
-              <a:t> </a:t>
-            </a:r>
-            <a:r>
-              <a:rPr kumimoji="0" lang="en-US" altLang="en-US" sz="800" b="0" i="0" u="none" strike="noStrike" cap="none" normalizeH="0" baseline="0" dirty="0" err="1">
-                <a:ln>
-                  <a:noFill/>
-                </a:ln>
-                <a:solidFill>
-                  <a:srgbClr val="BCBEC4"/>
-                </a:solidFill>
-                <a:effectLst/>
-                <a:latin typeface="JetBrains Mono"/>
-              </a:rPr>
-              <a:t>sidebar.file_uploader</a:t>
-            </a:r>
-            <a:r>
-              <a:rPr kumimoji="0" lang="en-US" altLang="en-US" sz="800" b="0" i="0" u="none" strike="noStrike" cap="none" normalizeH="0" baseline="0" dirty="0">
-                <a:ln>
-                  <a:noFill/>
-                </a:ln>
-                <a:solidFill>
-                  <a:srgbClr val="BCBEC4"/>
-                </a:solidFill>
-                <a:effectLst/>
-                <a:latin typeface="JetBrains Mono"/>
-              </a:rPr>
-              <a:t>(</a:t>
-            </a:r>
-            <a:r>
-              <a:rPr kumimoji="0" lang="en-US" altLang="en-US" sz="800" b="0" i="0" u="none" strike="noStrike" cap="none" normalizeH="0" baseline="0" dirty="0">
-                <a:ln>
-                  <a:noFill/>
-                </a:ln>
-                <a:solidFill>
-                  <a:srgbClr val="6AAB73"/>
-                </a:solidFill>
-                <a:effectLst/>
-                <a:latin typeface="JetBrains Mono"/>
-              </a:rPr>
-              <a:t>"upload your input Excel file"</a:t>
-            </a:r>
-            <a:r>
-              <a:rPr kumimoji="0" lang="en-US" altLang="en-US" sz="800" b="0" i="0" u="none" strike="noStrike" cap="none" normalizeH="0" baseline="0" dirty="0">
-                <a:ln>
-                  <a:noFill/>
-                </a:ln>
-                <a:solidFill>
-                  <a:srgbClr val="BCBEC4"/>
-                </a:solidFill>
-                <a:effectLst/>
-                <a:latin typeface="JetBrains Mono"/>
-              </a:rPr>
-              <a:t>, </a:t>
-            </a:r>
-            <a:r>
-              <a:rPr kumimoji="0" lang="en-US" altLang="en-US" sz="800" b="0" i="0" u="none" strike="noStrike" cap="none" normalizeH="0" baseline="0" dirty="0">
-                <a:ln>
-                  <a:noFill/>
-                </a:ln>
-                <a:solidFill>
-                  <a:srgbClr val="AA4926"/>
-                </a:solidFill>
-                <a:effectLst/>
-                <a:latin typeface="JetBrains Mono"/>
-              </a:rPr>
-              <a:t>type</a:t>
-            </a:r>
-            <a:r>
-              <a:rPr kumimoji="0" lang="en-US" altLang="en-US" sz="800" b="0" i="0" u="none" strike="noStrike" cap="none" normalizeH="0" baseline="0" dirty="0">
-                <a:ln>
-                  <a:noFill/>
-                </a:ln>
-                <a:solidFill>
-                  <a:srgbClr val="BCBEC4"/>
-                </a:solidFill>
-                <a:effectLst/>
-                <a:latin typeface="JetBrains Mono"/>
-              </a:rPr>
-              <a:t>=[</a:t>
-            </a:r>
-            <a:r>
-              <a:rPr kumimoji="0" lang="en-US" altLang="en-US" sz="800" b="0" i="0" u="none" strike="noStrike" cap="none" normalizeH="0" baseline="0" dirty="0">
-                <a:ln>
-                  <a:noFill/>
-                </a:ln>
-                <a:solidFill>
-                  <a:srgbClr val="6AAB73"/>
-                </a:solidFill>
-                <a:effectLst/>
-                <a:latin typeface="JetBrains Mono"/>
-              </a:rPr>
-              <a:t>"csv"</a:t>
-            </a:r>
-            <a:r>
-              <a:rPr kumimoji="0" lang="en-US" altLang="en-US" sz="800" b="0" i="0" u="none" strike="noStrike" cap="none" normalizeH="0" baseline="0" dirty="0">
-                <a:ln>
-                  <a:noFill/>
-                </a:ln>
-                <a:solidFill>
-                  <a:srgbClr val="BCBEC4"/>
-                </a:solidFill>
-                <a:effectLst/>
-                <a:latin typeface="JetBrains Mono"/>
-              </a:rPr>
-              <a:t>])</a:t>
-            </a:r>
-            <a:br>
-              <a:rPr kumimoji="0" lang="en-US" altLang="en-US" sz="800" b="0" i="0" u="none" strike="noStrike" cap="none" normalizeH="0" baseline="0" dirty="0">
-                <a:ln>
-                  <a:noFill/>
-                </a:ln>
-                <a:solidFill>
-                  <a:srgbClr val="BCBEC4"/>
-                </a:solidFill>
-                <a:effectLst/>
-                <a:latin typeface="JetBrains Mono"/>
-              </a:rPr>
-            </a:br>
-            <a:r>
-              <a:rPr kumimoji="0" lang="en-US" altLang="en-US" sz="800" b="0" i="0" u="none" strike="noStrike" cap="none" normalizeH="0" baseline="0" dirty="0">
-                <a:ln>
-                  <a:noFill/>
-                </a:ln>
-                <a:solidFill>
-                  <a:srgbClr val="CF8E6D"/>
-                </a:solidFill>
-                <a:effectLst/>
-                <a:latin typeface="JetBrains Mono"/>
-              </a:rPr>
-              <a:t>if </a:t>
-            </a:r>
-            <a:r>
-              <a:rPr kumimoji="0" lang="en-US" altLang="en-US" sz="800" b="0" i="0" u="none" strike="noStrike" cap="none" normalizeH="0" baseline="0" dirty="0" err="1">
-                <a:ln>
-                  <a:noFill/>
-                </a:ln>
-                <a:solidFill>
-                  <a:srgbClr val="BCBEC4"/>
-                </a:solidFill>
-                <a:effectLst/>
-                <a:latin typeface="JetBrains Mono"/>
-              </a:rPr>
-              <a:t>uploaded_file</a:t>
-            </a:r>
-            <a:r>
-              <a:rPr kumimoji="0" lang="en-US" altLang="en-US" sz="800" b="0" i="0" u="none" strike="noStrike" cap="none" normalizeH="0" baseline="0" dirty="0">
-                <a:ln>
-                  <a:noFill/>
-                </a:ln>
-                <a:solidFill>
-                  <a:srgbClr val="BCBEC4"/>
-                </a:solidFill>
-                <a:effectLst/>
-                <a:latin typeface="JetBrains Mono"/>
-              </a:rPr>
-              <a:t> </a:t>
-            </a:r>
-            <a:r>
-              <a:rPr kumimoji="0" lang="en-US" altLang="en-US" sz="800" b="0" i="0" u="none" strike="noStrike" cap="none" normalizeH="0" baseline="0" dirty="0">
-                <a:ln>
-                  <a:noFill/>
-                </a:ln>
-                <a:solidFill>
-                  <a:srgbClr val="CF8E6D"/>
-                </a:solidFill>
-                <a:effectLst/>
-                <a:latin typeface="JetBrains Mono"/>
-              </a:rPr>
-              <a:t>is not None</a:t>
-            </a:r>
-            <a:r>
-              <a:rPr kumimoji="0" lang="en-US" altLang="en-US" sz="800" b="0" i="0" u="none" strike="noStrike" cap="none" normalizeH="0" baseline="0" dirty="0">
-                <a:ln>
-                  <a:noFill/>
-                </a:ln>
-                <a:solidFill>
-                  <a:srgbClr val="BCBEC4"/>
-                </a:solidFill>
-                <a:effectLst/>
-                <a:latin typeface="JetBrains Mono"/>
-              </a:rPr>
-              <a:t>:</a:t>
-            </a:r>
-            <a:br>
-              <a:rPr kumimoji="0" lang="en-US" altLang="en-US" sz="800" b="0" i="0" u="none" strike="noStrike" cap="none" normalizeH="0" baseline="0" dirty="0">
-                <a:ln>
-                  <a:noFill/>
-                </a:ln>
-                <a:solidFill>
-                  <a:srgbClr val="BCBEC4"/>
-                </a:solidFill>
-                <a:effectLst/>
-                <a:latin typeface="JetBrains Mono"/>
-              </a:rPr>
-            </a:br>
-            <a:r>
-              <a:rPr kumimoji="0" lang="en-US" altLang="en-US" sz="800" b="0" i="0" u="none" strike="noStrike" cap="none" normalizeH="0" baseline="0" dirty="0">
-                <a:ln>
-                  <a:noFill/>
-                </a:ln>
-                <a:solidFill>
-                  <a:srgbClr val="BCBEC4"/>
-                </a:solidFill>
-                <a:effectLst/>
-                <a:latin typeface="JetBrains Mono"/>
-              </a:rPr>
-              <a:t>    </a:t>
-            </a:r>
-            <a:r>
-              <a:rPr kumimoji="0" lang="en-US" altLang="en-US" sz="800" b="0" i="0" u="none" strike="noStrike" cap="none" normalizeH="0" baseline="0" dirty="0" err="1">
-                <a:ln>
-                  <a:noFill/>
-                </a:ln>
-                <a:solidFill>
-                  <a:srgbClr val="BCBEC4"/>
-                </a:solidFill>
-                <a:effectLst/>
-                <a:latin typeface="JetBrains Mono"/>
-              </a:rPr>
-              <a:t>st</a:t>
-            </a:r>
-            <a:r>
-              <a:rPr kumimoji="0" lang="en-US" altLang="en-US" sz="800" b="0" i="0" u="none" strike="noStrike" cap="none" normalizeH="0" baseline="0" dirty="0">
-                <a:ln>
-                  <a:noFill/>
-                </a:ln>
-                <a:solidFill>
-                  <a:srgbClr val="BCBEC4"/>
-                </a:solidFill>
-                <a:effectLst/>
-                <a:latin typeface="JetBrains Mono"/>
-              </a:rPr>
-              <a:t> .markdown(</a:t>
-            </a:r>
-            <a:r>
-              <a:rPr kumimoji="0" lang="en-US" altLang="en-US" sz="800" b="0" i="0" u="none" strike="noStrike" cap="none" normalizeH="0" baseline="0" dirty="0">
-                <a:ln>
-                  <a:noFill/>
-                </a:ln>
-                <a:solidFill>
-                  <a:srgbClr val="6AAB73"/>
-                </a:solidFill>
-                <a:effectLst/>
-                <a:latin typeface="JetBrains Mono"/>
-              </a:rPr>
-              <a:t>"----"</a:t>
-            </a:r>
-            <a:r>
-              <a:rPr kumimoji="0" lang="en-US" altLang="en-US" sz="800" b="0" i="0" u="none" strike="noStrike" cap="none" normalizeH="0" baseline="0" dirty="0">
-                <a:ln>
-                  <a:noFill/>
-                </a:ln>
-                <a:solidFill>
-                  <a:srgbClr val="BCBEC4"/>
-                </a:solidFill>
-                <a:effectLst/>
-                <a:latin typeface="JetBrains Mono"/>
-              </a:rPr>
-              <a:t>)</a:t>
-            </a:r>
-            <a:br>
-              <a:rPr kumimoji="0" lang="en-US" altLang="en-US" sz="800" b="0" i="0" u="none" strike="noStrike" cap="none" normalizeH="0" baseline="0" dirty="0">
-                <a:ln>
-                  <a:noFill/>
-                </a:ln>
-                <a:solidFill>
-                  <a:srgbClr val="BCBEC4"/>
-                </a:solidFill>
-                <a:effectLst/>
-                <a:latin typeface="JetBrains Mono"/>
-              </a:rPr>
-            </a:br>
-            <a:r>
-              <a:rPr kumimoji="0" lang="en-US" altLang="en-US" sz="800" b="0" i="0" u="none" strike="noStrike" cap="none" normalizeH="0" baseline="0" dirty="0">
-                <a:ln>
-                  <a:noFill/>
-                </a:ln>
-                <a:solidFill>
-                  <a:srgbClr val="BCBEC4"/>
-                </a:solidFill>
-                <a:effectLst/>
-                <a:latin typeface="JetBrains Mono"/>
-              </a:rPr>
-              <a:t>    </a:t>
-            </a:r>
-            <a:r>
-              <a:rPr kumimoji="0" lang="en-US" altLang="en-US" sz="800" b="0" i="0" u="none" strike="noStrike" cap="none" normalizeH="0" baseline="0" dirty="0" err="1">
-                <a:ln>
-                  <a:noFill/>
-                </a:ln>
-                <a:solidFill>
-                  <a:srgbClr val="BCBEC4"/>
-                </a:solidFill>
-                <a:effectLst/>
-                <a:latin typeface="JetBrains Mono"/>
-              </a:rPr>
-              <a:t>my_data</a:t>
-            </a:r>
-            <a:r>
-              <a:rPr kumimoji="0" lang="en-US" altLang="en-US" sz="800" b="0" i="0" u="none" strike="noStrike" cap="none" normalizeH="0" baseline="0" dirty="0">
-                <a:ln>
-                  <a:noFill/>
-                </a:ln>
-                <a:solidFill>
-                  <a:srgbClr val="BCBEC4"/>
-                </a:solidFill>
-                <a:effectLst/>
-                <a:latin typeface="JetBrains Mono"/>
-              </a:rPr>
-              <a:t> = </a:t>
-            </a:r>
-            <a:r>
-              <a:rPr kumimoji="0" lang="en-US" altLang="en-US" sz="800" b="0" i="0" u="none" strike="noStrike" cap="none" normalizeH="0" baseline="0" dirty="0" err="1">
-                <a:ln>
-                  <a:noFill/>
-                </a:ln>
-                <a:solidFill>
-                  <a:srgbClr val="BCBEC4"/>
-                </a:solidFill>
-                <a:effectLst/>
-                <a:latin typeface="JetBrains Mono"/>
-              </a:rPr>
-              <a:t>pd.read_csv</a:t>
-            </a:r>
-            <a:r>
-              <a:rPr kumimoji="0" lang="en-US" altLang="en-US" sz="800" b="0" i="0" u="none" strike="noStrike" cap="none" normalizeH="0" baseline="0" dirty="0">
-                <a:ln>
-                  <a:noFill/>
-                </a:ln>
-                <a:solidFill>
-                  <a:srgbClr val="BCBEC4"/>
-                </a:solidFill>
-                <a:effectLst/>
-                <a:latin typeface="JetBrains Mono"/>
-              </a:rPr>
-              <a:t>(</a:t>
-            </a:r>
-            <a:r>
-              <a:rPr kumimoji="0" lang="en-US" altLang="en-US" sz="800" b="0" i="0" u="none" strike="noStrike" cap="none" normalizeH="0" baseline="0" dirty="0" err="1">
-                <a:ln>
-                  <a:noFill/>
-                </a:ln>
-                <a:solidFill>
-                  <a:srgbClr val="BCBEC4"/>
-                </a:solidFill>
-                <a:effectLst/>
-                <a:latin typeface="JetBrains Mono"/>
-              </a:rPr>
-              <a:t>uploaded_file</a:t>
-            </a:r>
-            <a:r>
-              <a:rPr kumimoji="0" lang="en-US" altLang="en-US" sz="800" b="0" i="0" u="none" strike="noStrike" cap="none" normalizeH="0" baseline="0" dirty="0">
-                <a:ln>
-                  <a:noFill/>
-                </a:ln>
-                <a:solidFill>
-                  <a:srgbClr val="BCBEC4"/>
-                </a:solidFill>
-                <a:effectLst/>
-                <a:latin typeface="JetBrains Mono"/>
-              </a:rPr>
-              <a:t>, </a:t>
-            </a:r>
-            <a:r>
-              <a:rPr kumimoji="0" lang="en-US" altLang="en-US" sz="800" b="0" i="0" u="none" strike="noStrike" cap="none" normalizeH="0" baseline="0" dirty="0" err="1">
-                <a:ln>
-                  <a:noFill/>
-                </a:ln>
-                <a:solidFill>
-                  <a:srgbClr val="AA4926"/>
-                </a:solidFill>
-                <a:effectLst/>
-                <a:latin typeface="JetBrains Mono"/>
-              </a:rPr>
-              <a:t>index_col</a:t>
-            </a:r>
-            <a:r>
-              <a:rPr kumimoji="0" lang="en-US" altLang="en-US" sz="800" b="0" i="0" u="none" strike="noStrike" cap="none" normalizeH="0" baseline="0" dirty="0">
-                <a:ln>
-                  <a:noFill/>
-                </a:ln>
-                <a:solidFill>
-                  <a:srgbClr val="BCBEC4"/>
-                </a:solidFill>
-                <a:effectLst/>
-                <a:latin typeface="JetBrains Mono"/>
-              </a:rPr>
-              <a:t>=</a:t>
-            </a:r>
-            <a:r>
-              <a:rPr kumimoji="0" lang="en-US" altLang="en-US" sz="800" b="0" i="0" u="none" strike="noStrike" cap="none" normalizeH="0" baseline="0" dirty="0">
-                <a:ln>
-                  <a:noFill/>
-                </a:ln>
-                <a:solidFill>
-                  <a:srgbClr val="CF8E6D"/>
-                </a:solidFill>
-                <a:effectLst/>
-                <a:latin typeface="JetBrains Mono"/>
-              </a:rPr>
-              <a:t>None</a:t>
-            </a:r>
-            <a:r>
-              <a:rPr kumimoji="0" lang="en-US" altLang="en-US" sz="800" b="0" i="0" u="none" strike="noStrike" cap="none" normalizeH="0" baseline="0" dirty="0">
-                <a:ln>
-                  <a:noFill/>
-                </a:ln>
-                <a:solidFill>
-                  <a:srgbClr val="BCBEC4"/>
-                </a:solidFill>
-                <a:effectLst/>
-                <a:latin typeface="JetBrains Mono"/>
-              </a:rPr>
-              <a:t>)</a:t>
-            </a:r>
-            <a:br>
-              <a:rPr kumimoji="0" lang="en-US" altLang="en-US" sz="800" b="0" i="0" u="none" strike="noStrike" cap="none" normalizeH="0" baseline="0" dirty="0">
-                <a:ln>
-                  <a:noFill/>
-                </a:ln>
-                <a:solidFill>
-                  <a:srgbClr val="BCBEC4"/>
-                </a:solidFill>
-                <a:effectLst/>
-                <a:latin typeface="JetBrains Mono"/>
-              </a:rPr>
-            </a:br>
-            <a:br>
-              <a:rPr kumimoji="0" lang="en-US" altLang="en-US" sz="800" b="0" i="0" u="none" strike="noStrike" cap="none" normalizeH="0" baseline="0" dirty="0">
-                <a:ln>
-                  <a:noFill/>
-                </a:ln>
-                <a:solidFill>
-                  <a:srgbClr val="BCBEC4"/>
-                </a:solidFill>
-                <a:effectLst/>
-                <a:latin typeface="JetBrains Mono"/>
-              </a:rPr>
-            </a:br>
-            <a:r>
-              <a:rPr kumimoji="0" lang="en-US" altLang="en-US" sz="800" b="0" i="0" u="none" strike="noStrike" cap="none" normalizeH="0" baseline="0" dirty="0">
-                <a:ln>
-                  <a:noFill/>
-                </a:ln>
-                <a:solidFill>
-                  <a:srgbClr val="BCBEC4"/>
-                </a:solidFill>
-                <a:effectLst/>
-                <a:latin typeface="JetBrains Mono"/>
-              </a:rPr>
-              <a:t>    </a:t>
-            </a:r>
-            <a:r>
-              <a:rPr kumimoji="0" lang="en-US" altLang="en-US" sz="800" b="0" i="0" u="none" strike="noStrike" cap="none" normalizeH="0" baseline="0" dirty="0" err="1">
-                <a:ln>
-                  <a:noFill/>
-                </a:ln>
-                <a:solidFill>
-                  <a:srgbClr val="BCBEC4"/>
-                </a:solidFill>
-                <a:effectLst/>
-                <a:latin typeface="JetBrains Mono"/>
-              </a:rPr>
-              <a:t>st.subheader</a:t>
-            </a:r>
-            <a:r>
-              <a:rPr kumimoji="0" lang="en-US" altLang="en-US" sz="800" b="0" i="0" u="none" strike="noStrike" cap="none" normalizeH="0" baseline="0" dirty="0">
-                <a:ln>
-                  <a:noFill/>
-                </a:ln>
-                <a:solidFill>
-                  <a:srgbClr val="BCBEC4"/>
-                </a:solidFill>
-                <a:effectLst/>
-                <a:latin typeface="JetBrains Mono"/>
-              </a:rPr>
-              <a:t>(</a:t>
-            </a:r>
-            <a:r>
-              <a:rPr kumimoji="0" lang="en-US" altLang="en-US" sz="800" b="0" i="0" u="none" strike="noStrike" cap="none" normalizeH="0" baseline="0" dirty="0">
-                <a:ln>
-                  <a:noFill/>
-                </a:ln>
-                <a:solidFill>
-                  <a:srgbClr val="6AAB73"/>
-                </a:solidFill>
-                <a:effectLst/>
-                <a:latin typeface="JetBrains Mono"/>
-              </a:rPr>
-              <a:t>"Uploaded CSV File- Sample Dataset"</a:t>
-            </a:r>
-            <a:r>
-              <a:rPr kumimoji="0" lang="en-US" altLang="en-US" sz="800" b="0" i="0" u="none" strike="noStrike" cap="none" normalizeH="0" baseline="0" dirty="0">
-                <a:ln>
-                  <a:noFill/>
-                </a:ln>
-                <a:solidFill>
-                  <a:srgbClr val="BCBEC4"/>
-                </a:solidFill>
-                <a:effectLst/>
-                <a:latin typeface="JetBrains Mono"/>
-              </a:rPr>
-              <a:t>)</a:t>
-            </a:r>
-            <a:br>
-              <a:rPr kumimoji="0" lang="en-US" altLang="en-US" sz="800" b="0" i="0" u="none" strike="noStrike" cap="none" normalizeH="0" baseline="0" dirty="0">
-                <a:ln>
-                  <a:noFill/>
-                </a:ln>
-                <a:solidFill>
-                  <a:srgbClr val="BCBEC4"/>
-                </a:solidFill>
-                <a:effectLst/>
-                <a:latin typeface="JetBrains Mono"/>
-              </a:rPr>
-            </a:br>
-            <a:r>
-              <a:rPr kumimoji="0" lang="en-US" altLang="en-US" sz="800" b="0" i="0" u="none" strike="noStrike" cap="none" normalizeH="0" baseline="0" dirty="0">
-                <a:ln>
-                  <a:noFill/>
-                </a:ln>
-                <a:solidFill>
-                  <a:srgbClr val="BCBEC4"/>
-                </a:solidFill>
-                <a:effectLst/>
-                <a:latin typeface="JetBrains Mono"/>
-              </a:rPr>
-              <a:t>    </a:t>
-            </a:r>
-            <a:r>
-              <a:rPr kumimoji="0" lang="en-US" altLang="en-US" sz="800" b="0" i="0" u="none" strike="noStrike" cap="none" normalizeH="0" baseline="0" dirty="0" err="1">
-                <a:ln>
-                  <a:noFill/>
-                </a:ln>
-                <a:solidFill>
-                  <a:srgbClr val="BCBEC4"/>
-                </a:solidFill>
-                <a:effectLst/>
-                <a:latin typeface="JetBrains Mono"/>
-              </a:rPr>
-              <a:t>st.write</a:t>
-            </a:r>
-            <a:r>
-              <a:rPr kumimoji="0" lang="en-US" altLang="en-US" sz="800" b="0" i="0" u="none" strike="noStrike" cap="none" normalizeH="0" baseline="0" dirty="0">
-                <a:ln>
-                  <a:noFill/>
-                </a:ln>
-                <a:solidFill>
-                  <a:srgbClr val="BCBEC4"/>
-                </a:solidFill>
-                <a:effectLst/>
-                <a:latin typeface="JetBrains Mono"/>
-              </a:rPr>
-              <a:t>(</a:t>
-            </a:r>
-            <a:r>
-              <a:rPr kumimoji="0" lang="en-US" altLang="en-US" sz="800" b="0" i="0" u="none" strike="noStrike" cap="none" normalizeH="0" baseline="0" dirty="0" err="1">
-                <a:ln>
-                  <a:noFill/>
-                </a:ln>
-                <a:solidFill>
-                  <a:srgbClr val="BCBEC4"/>
-                </a:solidFill>
-                <a:effectLst/>
-                <a:latin typeface="JetBrains Mono"/>
-              </a:rPr>
-              <a:t>my_data</a:t>
-            </a:r>
-            <a:r>
-              <a:rPr kumimoji="0" lang="en-US" altLang="en-US" sz="800" b="0" i="0" u="none" strike="noStrike" cap="none" normalizeH="0" baseline="0" dirty="0">
-                <a:ln>
-                  <a:noFill/>
-                </a:ln>
-                <a:solidFill>
-                  <a:srgbClr val="BCBEC4"/>
-                </a:solidFill>
-                <a:effectLst/>
-                <a:latin typeface="JetBrains Mono"/>
-              </a:rPr>
-              <a:t>)</a:t>
-            </a:r>
-            <a:br>
-              <a:rPr kumimoji="0" lang="en-US" altLang="en-US" sz="800" b="0" i="0" u="none" strike="noStrike" cap="none" normalizeH="0" baseline="0" dirty="0">
-                <a:ln>
-                  <a:noFill/>
-                </a:ln>
-                <a:solidFill>
-                  <a:srgbClr val="BCBEC4"/>
-                </a:solidFill>
-                <a:effectLst/>
-                <a:latin typeface="JetBrains Mono"/>
-              </a:rPr>
-            </a:br>
-            <a:br>
-              <a:rPr kumimoji="0" lang="en-US" altLang="en-US" sz="800" b="0" i="0" u="none" strike="noStrike" cap="none" normalizeH="0" baseline="0" dirty="0">
-                <a:ln>
-                  <a:noFill/>
-                </a:ln>
-                <a:solidFill>
-                  <a:srgbClr val="BCBEC4"/>
-                </a:solidFill>
-                <a:effectLst/>
-                <a:latin typeface="JetBrains Mono"/>
-              </a:rPr>
-            </a:br>
-            <a:r>
-              <a:rPr kumimoji="0" lang="en-US" altLang="en-US" sz="800" b="0" i="0" u="none" strike="noStrike" cap="none" normalizeH="0" baseline="0" dirty="0">
-                <a:ln>
-                  <a:noFill/>
-                </a:ln>
-                <a:solidFill>
-                  <a:srgbClr val="BCBEC4"/>
-                </a:solidFill>
-                <a:effectLst/>
-                <a:latin typeface="JetBrains Mono"/>
-              </a:rPr>
-              <a:t>    </a:t>
-            </a:r>
-            <a:r>
-              <a:rPr kumimoji="0" lang="en-US" altLang="en-US" sz="800" b="0" i="0" u="none" strike="noStrike" cap="none" normalizeH="0" baseline="0" dirty="0" err="1">
-                <a:ln>
-                  <a:noFill/>
-                </a:ln>
-                <a:solidFill>
-                  <a:srgbClr val="BCBEC4"/>
-                </a:solidFill>
-                <a:effectLst/>
-                <a:latin typeface="JetBrains Mono"/>
-              </a:rPr>
-              <a:t>st.subheader</a:t>
-            </a:r>
-            <a:r>
-              <a:rPr kumimoji="0" lang="en-US" altLang="en-US" sz="800" b="0" i="0" u="none" strike="noStrike" cap="none" normalizeH="0" baseline="0" dirty="0">
-                <a:ln>
-                  <a:noFill/>
-                </a:ln>
-                <a:solidFill>
-                  <a:srgbClr val="BCBEC4"/>
-                </a:solidFill>
-                <a:effectLst/>
-                <a:latin typeface="JetBrains Mono"/>
-              </a:rPr>
-              <a:t>(</a:t>
-            </a:r>
-            <a:r>
-              <a:rPr kumimoji="0" lang="en-US" altLang="en-US" sz="800" b="0" i="0" u="none" strike="noStrike" cap="none" normalizeH="0" baseline="0" dirty="0">
-                <a:ln>
-                  <a:noFill/>
-                </a:ln>
-                <a:solidFill>
-                  <a:srgbClr val="6AAB73"/>
-                </a:solidFill>
-                <a:effectLst/>
-                <a:latin typeface="JetBrains Mono"/>
-              </a:rPr>
-              <a:t>"OpenAI Analysis"</a:t>
-            </a:r>
-            <a:r>
-              <a:rPr kumimoji="0" lang="en-US" altLang="en-US" sz="800" b="0" i="0" u="none" strike="noStrike" cap="none" normalizeH="0" baseline="0" dirty="0">
-                <a:ln>
-                  <a:noFill/>
-                </a:ln>
-                <a:solidFill>
-                  <a:srgbClr val="BCBEC4"/>
-                </a:solidFill>
-                <a:effectLst/>
-                <a:latin typeface="JetBrains Mono"/>
-              </a:rPr>
-              <a:t>)</a:t>
-            </a:r>
-            <a:br>
-              <a:rPr kumimoji="0" lang="en-US" altLang="en-US" sz="800" b="0" i="0" u="none" strike="noStrike" cap="none" normalizeH="0" baseline="0" dirty="0">
-                <a:ln>
-                  <a:noFill/>
-                </a:ln>
-                <a:solidFill>
-                  <a:srgbClr val="BCBEC4"/>
-                </a:solidFill>
-                <a:effectLst/>
-                <a:latin typeface="JetBrains Mono"/>
-              </a:rPr>
-            </a:br>
-            <a:r>
-              <a:rPr kumimoji="0" lang="en-US" altLang="en-US" sz="800" b="0" i="0" u="none" strike="noStrike" cap="none" normalizeH="0" baseline="0" dirty="0">
-                <a:ln>
-                  <a:noFill/>
-                </a:ln>
-                <a:solidFill>
-                  <a:srgbClr val="BCBEC4"/>
-                </a:solidFill>
-                <a:effectLst/>
-                <a:latin typeface="JetBrains Mono"/>
-              </a:rPr>
-              <a:t>    </a:t>
-            </a:r>
-            <a:r>
-              <a:rPr kumimoji="0" lang="en-US" altLang="en-US" sz="800" b="0" i="0" u="none" strike="noStrike" cap="none" normalizeH="0" baseline="0" dirty="0" err="1">
-                <a:ln>
-                  <a:noFill/>
-                </a:ln>
-                <a:solidFill>
-                  <a:srgbClr val="BCBEC4"/>
-                </a:solidFill>
-                <a:effectLst/>
-                <a:latin typeface="JetBrains Mono"/>
-              </a:rPr>
-              <a:t>os.environ</a:t>
-            </a:r>
-            <a:r>
-              <a:rPr kumimoji="0" lang="en-US" altLang="en-US" sz="800" b="0" i="0" u="none" strike="noStrike" cap="none" normalizeH="0" baseline="0" dirty="0">
-                <a:ln>
-                  <a:noFill/>
-                </a:ln>
-                <a:solidFill>
-                  <a:srgbClr val="BCBEC4"/>
-                </a:solidFill>
-                <a:effectLst/>
-                <a:latin typeface="JetBrains Mono"/>
-              </a:rPr>
-              <a:t>[</a:t>
-            </a:r>
-            <a:r>
-              <a:rPr kumimoji="0" lang="en-US" altLang="en-US" sz="800" b="0" i="0" u="none" strike="noStrike" cap="none" normalizeH="0" baseline="0" dirty="0">
-                <a:ln>
-                  <a:noFill/>
-                </a:ln>
-                <a:solidFill>
-                  <a:srgbClr val="6AAB73"/>
-                </a:solidFill>
-                <a:effectLst/>
-                <a:latin typeface="JetBrains Mono"/>
-              </a:rPr>
-              <a:t>'_BARD_API_KEY'</a:t>
-            </a:r>
-            <a:r>
-              <a:rPr kumimoji="0" lang="en-US" altLang="en-US" sz="800" b="0" i="0" u="none" strike="noStrike" cap="none" normalizeH="0" baseline="0" dirty="0">
-                <a:ln>
-                  <a:noFill/>
-                </a:ln>
-                <a:solidFill>
-                  <a:srgbClr val="BCBEC4"/>
-                </a:solidFill>
-                <a:effectLst/>
-                <a:latin typeface="JetBrains Mono"/>
-              </a:rPr>
-              <a:t>] = </a:t>
-            </a:r>
-            <a:r>
-              <a:rPr kumimoji="0" lang="en-US" altLang="en-US" sz="800" b="0" i="0" u="none" strike="noStrike" cap="none" normalizeH="0" baseline="0" dirty="0">
-                <a:ln>
-                  <a:noFill/>
-                </a:ln>
-                <a:solidFill>
-                  <a:srgbClr val="6AAB73"/>
-                </a:solidFill>
-                <a:effectLst/>
-                <a:latin typeface="JetBrains Mono"/>
-              </a:rPr>
-              <a:t>"Your Key"</a:t>
-            </a:r>
-            <a:br>
-              <a:rPr kumimoji="0" lang="en-US" altLang="en-US" sz="800" b="0" i="0" u="none" strike="noStrike" cap="none" normalizeH="0" baseline="0" dirty="0">
-                <a:ln>
-                  <a:noFill/>
-                </a:ln>
-                <a:solidFill>
-                  <a:srgbClr val="6AAB73"/>
-                </a:solidFill>
-                <a:effectLst/>
-                <a:latin typeface="JetBrains Mono"/>
-              </a:rPr>
-            </a:br>
-            <a:r>
-              <a:rPr kumimoji="0" lang="en-US" altLang="en-US" sz="800" b="0" i="0" u="none" strike="noStrike" cap="none" normalizeH="0" baseline="0" dirty="0">
-                <a:ln>
-                  <a:noFill/>
-                </a:ln>
-                <a:solidFill>
-                  <a:srgbClr val="6AAB73"/>
-                </a:solidFill>
-                <a:effectLst/>
-                <a:latin typeface="JetBrains Mono"/>
-              </a:rPr>
-              <a:t>    </a:t>
-            </a:r>
-            <a:r>
-              <a:rPr kumimoji="0" lang="en-US" altLang="en-US" sz="800" b="0" i="0" u="none" strike="noStrike" cap="none" normalizeH="0" baseline="0" dirty="0" err="1">
-                <a:ln>
-                  <a:noFill/>
-                </a:ln>
-                <a:solidFill>
-                  <a:srgbClr val="BCBEC4"/>
-                </a:solidFill>
-                <a:effectLst/>
-                <a:latin typeface="JetBrains Mono"/>
-              </a:rPr>
-              <a:t>api_key</a:t>
-            </a:r>
-            <a:r>
-              <a:rPr kumimoji="0" lang="en-US" altLang="en-US" sz="800" b="0" i="0" u="none" strike="noStrike" cap="none" normalizeH="0" baseline="0" dirty="0">
-                <a:ln>
-                  <a:noFill/>
-                </a:ln>
-                <a:solidFill>
-                  <a:srgbClr val="BCBEC4"/>
-                </a:solidFill>
-                <a:effectLst/>
-                <a:latin typeface="JetBrains Mono"/>
-              </a:rPr>
-              <a:t> = </a:t>
-            </a:r>
-            <a:r>
-              <a:rPr kumimoji="0" lang="en-US" altLang="en-US" sz="800" b="0" i="0" u="none" strike="noStrike" cap="none" normalizeH="0" baseline="0" dirty="0" err="1">
-                <a:ln>
-                  <a:noFill/>
-                </a:ln>
-                <a:solidFill>
-                  <a:srgbClr val="BCBEC4"/>
-                </a:solidFill>
-                <a:effectLst/>
-                <a:latin typeface="JetBrains Mono"/>
-              </a:rPr>
-              <a:t>os.environ.get</a:t>
-            </a:r>
-            <a:r>
-              <a:rPr kumimoji="0" lang="en-US" altLang="en-US" sz="800" b="0" i="0" u="none" strike="noStrike" cap="none" normalizeH="0" baseline="0" dirty="0">
-                <a:ln>
-                  <a:noFill/>
-                </a:ln>
-                <a:solidFill>
-                  <a:srgbClr val="BCBEC4"/>
-                </a:solidFill>
-                <a:effectLst/>
-                <a:latin typeface="JetBrains Mono"/>
-              </a:rPr>
-              <a:t>(</a:t>
-            </a:r>
-            <a:r>
-              <a:rPr kumimoji="0" lang="en-US" altLang="en-US" sz="800" b="0" i="0" u="none" strike="noStrike" cap="none" normalizeH="0" baseline="0" dirty="0">
-                <a:ln>
-                  <a:noFill/>
-                </a:ln>
-                <a:solidFill>
-                  <a:srgbClr val="6AAB73"/>
-                </a:solidFill>
-                <a:effectLst/>
-                <a:latin typeface="JetBrains Mono"/>
-              </a:rPr>
-              <a:t>"_BARD_API_KEY"</a:t>
-            </a:r>
-            <a:r>
-              <a:rPr kumimoji="0" lang="en-US" altLang="en-US" sz="800" b="0" i="0" u="none" strike="noStrike" cap="none" normalizeH="0" baseline="0" dirty="0">
-                <a:ln>
-                  <a:noFill/>
-                </a:ln>
-                <a:solidFill>
-                  <a:srgbClr val="BCBEC4"/>
-                </a:solidFill>
-                <a:effectLst/>
-                <a:latin typeface="JetBrains Mono"/>
-              </a:rPr>
-              <a:t>)</a:t>
-            </a:r>
-            <a:br>
-              <a:rPr kumimoji="0" lang="en-US" altLang="en-US" sz="800" b="0" i="0" u="none" strike="noStrike" cap="none" normalizeH="0" baseline="0" dirty="0">
-                <a:ln>
-                  <a:noFill/>
-                </a:ln>
-                <a:solidFill>
-                  <a:srgbClr val="BCBEC4"/>
-                </a:solidFill>
-                <a:effectLst/>
-                <a:latin typeface="JetBrains Mono"/>
-              </a:rPr>
-            </a:br>
-            <a:br>
-              <a:rPr kumimoji="0" lang="en-US" altLang="en-US" sz="800" b="0" i="0" u="none" strike="noStrike" cap="none" normalizeH="0" baseline="0" dirty="0">
-                <a:ln>
-                  <a:noFill/>
-                </a:ln>
-                <a:solidFill>
-                  <a:srgbClr val="BCBEC4"/>
-                </a:solidFill>
-                <a:effectLst/>
-                <a:latin typeface="JetBrains Mono"/>
-              </a:rPr>
-            </a:br>
-            <a:r>
-              <a:rPr kumimoji="0" lang="en-US" altLang="en-US" sz="800" b="0" i="0" u="none" strike="noStrike" cap="none" normalizeH="0" baseline="0" dirty="0">
-                <a:ln>
-                  <a:noFill/>
-                </a:ln>
-                <a:solidFill>
-                  <a:srgbClr val="BCBEC4"/>
-                </a:solidFill>
-                <a:effectLst/>
-                <a:latin typeface="JetBrains Mono"/>
-              </a:rPr>
-              <a:t>    </a:t>
-            </a:r>
-            <a:r>
-              <a:rPr kumimoji="0" lang="en-US" altLang="en-US" sz="800" b="0" i="0" u="none" strike="noStrike" cap="none" normalizeH="0" baseline="0" dirty="0" err="1">
-                <a:ln>
-                  <a:noFill/>
-                </a:ln>
-                <a:solidFill>
-                  <a:srgbClr val="BCBEC4"/>
-                </a:solidFill>
-                <a:effectLst/>
-                <a:latin typeface="JetBrains Mono"/>
-              </a:rPr>
-              <a:t>default_multiline_text</a:t>
-            </a:r>
-            <a:r>
-              <a:rPr kumimoji="0" lang="en-US" altLang="en-US" sz="800" b="0" i="0" u="none" strike="noStrike" cap="none" normalizeH="0" baseline="0" dirty="0">
-                <a:ln>
-                  <a:noFill/>
-                </a:ln>
-                <a:solidFill>
-                  <a:srgbClr val="BCBEC4"/>
-                </a:solidFill>
-                <a:effectLst/>
-                <a:latin typeface="JetBrains Mono"/>
-              </a:rPr>
-              <a:t> = </a:t>
-            </a:r>
-            <a:r>
-              <a:rPr kumimoji="0" lang="en-US" altLang="en-US" sz="800" b="0" i="0" u="none" strike="noStrike" cap="none" normalizeH="0" baseline="0" dirty="0">
-                <a:ln>
-                  <a:noFill/>
-                </a:ln>
-                <a:solidFill>
-                  <a:srgbClr val="6AAB73"/>
-                </a:solidFill>
-                <a:effectLst/>
-                <a:latin typeface="JetBrains Mono"/>
-              </a:rPr>
-              <a:t>"""Transaction Amount should always match Reported Amount, except when the transaction involves cross-currency conversions, in which case a permissible deviation of up to 1% is allowed.</a:t>
-            </a:r>
-            <a:br>
-              <a:rPr kumimoji="0" lang="en-US" altLang="en-US" sz="800" b="0" i="0" u="none" strike="noStrike" cap="none" normalizeH="0" baseline="0" dirty="0">
-                <a:ln>
-                  <a:noFill/>
-                </a:ln>
-                <a:solidFill>
-                  <a:srgbClr val="6AAB73"/>
-                </a:solidFill>
-                <a:effectLst/>
-                <a:latin typeface="JetBrains Mono"/>
-              </a:rPr>
-            </a:br>
-            <a:r>
-              <a:rPr kumimoji="0" lang="en-US" altLang="en-US" sz="800" b="0" i="0" u="none" strike="noStrike" cap="none" normalizeH="0" baseline="0" dirty="0">
-                <a:ln>
-                  <a:noFill/>
-                </a:ln>
-                <a:solidFill>
-                  <a:srgbClr val="6AAB73"/>
-                </a:solidFill>
-                <a:effectLst/>
-                <a:latin typeface="JetBrains Mono"/>
-              </a:rPr>
-              <a:t>Account Balance should never be negative, except in cases of overdraft accounts explicitly marked with an "OD" flag.</a:t>
-            </a:r>
-            <a:br>
-              <a:rPr kumimoji="0" lang="en-US" altLang="en-US" sz="800" b="0" i="0" u="none" strike="noStrike" cap="none" normalizeH="0" baseline="0" dirty="0">
-                <a:ln>
-                  <a:noFill/>
-                </a:ln>
-                <a:solidFill>
-                  <a:srgbClr val="6AAB73"/>
-                </a:solidFill>
-                <a:effectLst/>
-                <a:latin typeface="JetBrains Mono"/>
-              </a:rPr>
-            </a:br>
-            <a:r>
-              <a:rPr kumimoji="0" lang="en-US" altLang="en-US" sz="800" b="0" i="0" u="none" strike="noStrike" cap="none" normalizeH="0" baseline="0" dirty="0">
-                <a:ln>
-                  <a:noFill/>
-                </a:ln>
-                <a:solidFill>
-                  <a:srgbClr val="6AAB73"/>
-                </a:solidFill>
-                <a:effectLst/>
-                <a:latin typeface="JetBrains Mono"/>
-              </a:rPr>
-              <a:t>Currency should be a valid ISO 4217 currency code, and the transaction must adhere to cross-border transaction limits as per regulatory guidelines.</a:t>
-            </a:r>
-            <a:br>
-              <a:rPr kumimoji="0" lang="en-US" altLang="en-US" sz="800" b="0" i="0" u="none" strike="noStrike" cap="none" normalizeH="0" baseline="0" dirty="0">
-                <a:ln>
-                  <a:noFill/>
-                </a:ln>
-                <a:solidFill>
-                  <a:srgbClr val="6AAB73"/>
-                </a:solidFill>
-                <a:effectLst/>
-                <a:latin typeface="JetBrains Mono"/>
-              </a:rPr>
-            </a:br>
-            <a:r>
-              <a:rPr kumimoji="0" lang="en-US" altLang="en-US" sz="800" b="0" i="0" u="none" strike="noStrike" cap="none" normalizeH="0" baseline="0" dirty="0">
-                <a:ln>
-                  <a:noFill/>
-                </a:ln>
-                <a:solidFill>
-                  <a:srgbClr val="6AAB73"/>
-                </a:solidFill>
-                <a:effectLst/>
-                <a:latin typeface="JetBrains Mono"/>
-              </a:rPr>
-              <a:t>Country should be an accepted jurisdiction based on bank regulations, and cross-border transactions should include mandatory transaction remarks if the amount exceeds $10,000.Display Row Level Transaction Details"""</a:t>
-            </a:r>
-            <a:br>
-              <a:rPr kumimoji="0" lang="en-US" altLang="en-US" sz="800" b="0" i="0" u="none" strike="noStrike" cap="none" normalizeH="0" baseline="0" dirty="0">
-                <a:ln>
-                  <a:noFill/>
-                </a:ln>
-                <a:solidFill>
-                  <a:srgbClr val="6AAB73"/>
-                </a:solidFill>
-                <a:effectLst/>
-                <a:latin typeface="JetBrains Mono"/>
-              </a:rPr>
-            </a:br>
-            <a:br>
-              <a:rPr kumimoji="0" lang="en-US" altLang="en-US" sz="800" b="0" i="0" u="none" strike="noStrike" cap="none" normalizeH="0" baseline="0" dirty="0">
-                <a:ln>
-                  <a:noFill/>
-                </a:ln>
-                <a:solidFill>
-                  <a:srgbClr val="6AAB73"/>
-                </a:solidFill>
-                <a:effectLst/>
-                <a:latin typeface="JetBrains Mono"/>
-              </a:rPr>
-            </a:br>
-            <a:r>
-              <a:rPr kumimoji="0" lang="en-US" altLang="en-US" sz="800" b="0" i="0" u="none" strike="noStrike" cap="none" normalizeH="0" baseline="0" dirty="0">
-                <a:ln>
-                  <a:noFill/>
-                </a:ln>
-                <a:solidFill>
-                  <a:srgbClr val="6AAB73"/>
-                </a:solidFill>
-                <a:effectLst/>
-                <a:latin typeface="JetBrains Mono"/>
-              </a:rPr>
-              <a:t>    </a:t>
-            </a:r>
-            <a:r>
-              <a:rPr kumimoji="0" lang="en-US" altLang="en-US" sz="800" b="0" i="0" u="none" strike="noStrike" cap="none" normalizeH="0" baseline="0" dirty="0" err="1">
-                <a:ln>
-                  <a:noFill/>
-                </a:ln>
-                <a:solidFill>
-                  <a:srgbClr val="BCBEC4"/>
-                </a:solidFill>
-                <a:effectLst/>
-                <a:latin typeface="JetBrains Mono"/>
-              </a:rPr>
-              <a:t>input_text</a:t>
-            </a:r>
-            <a:r>
-              <a:rPr kumimoji="0" lang="en-US" altLang="en-US" sz="800" b="0" i="0" u="none" strike="noStrike" cap="none" normalizeH="0" baseline="0" dirty="0">
-                <a:ln>
-                  <a:noFill/>
-                </a:ln>
-                <a:solidFill>
-                  <a:srgbClr val="BCBEC4"/>
-                </a:solidFill>
-                <a:effectLst/>
-                <a:latin typeface="JetBrains Mono"/>
-              </a:rPr>
-              <a:t> = </a:t>
-            </a:r>
-            <a:r>
-              <a:rPr kumimoji="0" lang="en-US" altLang="en-US" sz="800" b="0" i="0" u="none" strike="noStrike" cap="none" normalizeH="0" baseline="0" dirty="0" err="1">
-                <a:ln>
-                  <a:noFill/>
-                </a:ln>
-                <a:solidFill>
-                  <a:srgbClr val="BCBEC4"/>
-                </a:solidFill>
-                <a:effectLst/>
-                <a:latin typeface="JetBrains Mono"/>
-              </a:rPr>
-              <a:t>st.text_area</a:t>
-            </a:r>
-            <a:r>
-              <a:rPr kumimoji="0" lang="en-US" altLang="en-US" sz="800" b="0" i="0" u="none" strike="noStrike" cap="none" normalizeH="0" baseline="0" dirty="0">
-                <a:ln>
-                  <a:noFill/>
-                </a:ln>
-                <a:solidFill>
-                  <a:srgbClr val="BCBEC4"/>
-                </a:solidFill>
-                <a:effectLst/>
-                <a:latin typeface="JetBrains Mono"/>
-              </a:rPr>
-              <a:t>(</a:t>
-            </a:r>
-            <a:r>
-              <a:rPr kumimoji="0" lang="en-US" altLang="en-US" sz="800" b="0" i="0" u="none" strike="noStrike" cap="none" normalizeH="0" baseline="0" dirty="0">
-                <a:ln>
-                  <a:noFill/>
-                </a:ln>
-                <a:solidFill>
-                  <a:srgbClr val="6AAB73"/>
-                </a:solidFill>
-                <a:effectLst/>
-                <a:latin typeface="JetBrains Mono"/>
-              </a:rPr>
-              <a:t>"Regulatory Reporting Instruction"</a:t>
-            </a:r>
-            <a:r>
-              <a:rPr kumimoji="0" lang="en-US" altLang="en-US" sz="800" b="0" i="0" u="none" strike="noStrike" cap="none" normalizeH="0" baseline="0" dirty="0">
-                <a:ln>
-                  <a:noFill/>
-                </a:ln>
-                <a:solidFill>
-                  <a:srgbClr val="BCBEC4"/>
-                </a:solidFill>
-                <a:effectLst/>
-                <a:latin typeface="JetBrains Mono"/>
-              </a:rPr>
-              <a:t>,  </a:t>
-            </a:r>
-            <a:r>
-              <a:rPr kumimoji="0" lang="en-US" altLang="en-US" sz="800" b="0" i="0" u="none" strike="noStrike" cap="none" normalizeH="0" baseline="0" dirty="0">
-                <a:ln>
-                  <a:noFill/>
-                </a:ln>
-                <a:solidFill>
-                  <a:srgbClr val="AA4926"/>
-                </a:solidFill>
-                <a:effectLst/>
-                <a:latin typeface="JetBrains Mono"/>
-              </a:rPr>
-              <a:t>height</a:t>
-            </a:r>
-            <a:r>
-              <a:rPr kumimoji="0" lang="en-US" altLang="en-US" sz="800" b="0" i="0" u="none" strike="noStrike" cap="none" normalizeH="0" baseline="0" dirty="0">
-                <a:ln>
-                  <a:noFill/>
-                </a:ln>
-                <a:solidFill>
-                  <a:srgbClr val="BCBEC4"/>
-                </a:solidFill>
-                <a:effectLst/>
-                <a:latin typeface="JetBrains Mono"/>
-              </a:rPr>
-              <a:t>=</a:t>
-            </a:r>
-            <a:r>
-              <a:rPr kumimoji="0" lang="en-US" altLang="en-US" sz="800" b="0" i="0" u="none" strike="noStrike" cap="none" normalizeH="0" baseline="0" dirty="0">
-                <a:ln>
-                  <a:noFill/>
-                </a:ln>
-                <a:solidFill>
-                  <a:srgbClr val="2AACB8"/>
-                </a:solidFill>
-                <a:effectLst/>
-                <a:latin typeface="JetBrains Mono"/>
-              </a:rPr>
-              <a:t>250</a:t>
-            </a:r>
-            <a:r>
-              <a:rPr kumimoji="0" lang="en-US" altLang="en-US" sz="800" b="0" i="0" u="none" strike="noStrike" cap="none" normalizeH="0" baseline="0" dirty="0">
-                <a:ln>
-                  <a:noFill/>
-                </a:ln>
-                <a:solidFill>
-                  <a:srgbClr val="BCBEC4"/>
-                </a:solidFill>
-                <a:effectLst/>
-                <a:latin typeface="JetBrains Mono"/>
-              </a:rPr>
-              <a:t>,</a:t>
-            </a:r>
-            <a:r>
-              <a:rPr kumimoji="0" lang="en-US" altLang="en-US" sz="800" b="0" i="0" u="none" strike="noStrike" cap="none" normalizeH="0" baseline="0" dirty="0">
-                <a:ln>
-                  <a:noFill/>
-                </a:ln>
-                <a:solidFill>
-                  <a:srgbClr val="AA4926"/>
-                </a:solidFill>
-                <a:effectLst/>
-                <a:latin typeface="JetBrains Mono"/>
-              </a:rPr>
-              <a:t>value</a:t>
-            </a:r>
-            <a:r>
-              <a:rPr kumimoji="0" lang="en-US" altLang="en-US" sz="800" b="0" i="0" u="none" strike="noStrike" cap="none" normalizeH="0" baseline="0" dirty="0">
-                <a:ln>
-                  <a:noFill/>
-                </a:ln>
-                <a:solidFill>
-                  <a:srgbClr val="BCBEC4"/>
-                </a:solidFill>
-                <a:effectLst/>
-                <a:latin typeface="JetBrains Mono"/>
-              </a:rPr>
-              <a:t>=</a:t>
-            </a:r>
-            <a:r>
-              <a:rPr kumimoji="0" lang="en-US" altLang="en-US" sz="800" b="0" i="0" u="none" strike="noStrike" cap="none" normalizeH="0" baseline="0" dirty="0" err="1">
-                <a:ln>
-                  <a:noFill/>
-                </a:ln>
-                <a:solidFill>
-                  <a:srgbClr val="BCBEC4"/>
-                </a:solidFill>
-                <a:effectLst/>
-                <a:latin typeface="JetBrains Mono"/>
-              </a:rPr>
-              <a:t>default_multiline_text</a:t>
-            </a:r>
-            <a:r>
-              <a:rPr kumimoji="0" lang="en-US" altLang="en-US" sz="800" b="0" i="0" u="none" strike="noStrike" cap="none" normalizeH="0" baseline="0" dirty="0">
-                <a:ln>
-                  <a:noFill/>
-                </a:ln>
-                <a:solidFill>
-                  <a:srgbClr val="BCBEC4"/>
-                </a:solidFill>
-                <a:effectLst/>
-                <a:latin typeface="JetBrains Mono"/>
-              </a:rPr>
-              <a:t>)</a:t>
-            </a:r>
-            <a:br>
-              <a:rPr kumimoji="0" lang="en-US" altLang="en-US" sz="800" b="0" i="0" u="none" strike="noStrike" cap="none" normalizeH="0" baseline="0" dirty="0">
-                <a:ln>
-                  <a:noFill/>
-                </a:ln>
-                <a:solidFill>
-                  <a:srgbClr val="BCBEC4"/>
-                </a:solidFill>
-                <a:effectLst/>
-                <a:latin typeface="JetBrains Mono"/>
-              </a:rPr>
-            </a:br>
-            <a:r>
-              <a:rPr kumimoji="0" lang="en-US" altLang="en-US" sz="800" b="0" i="0" u="none" strike="noStrike" cap="none" normalizeH="0" baseline="0" dirty="0">
-                <a:ln>
-                  <a:noFill/>
-                </a:ln>
-                <a:solidFill>
-                  <a:srgbClr val="BCBEC4"/>
-                </a:solidFill>
-                <a:effectLst/>
-                <a:latin typeface="JetBrains Mono"/>
-              </a:rPr>
-              <a:t>    answer = Bard(</a:t>
-            </a:r>
-            <a:r>
-              <a:rPr kumimoji="0" lang="en-US" altLang="en-US" sz="800" b="0" i="0" u="none" strike="noStrike" cap="none" normalizeH="0" baseline="0" dirty="0">
-                <a:ln>
-                  <a:noFill/>
-                </a:ln>
-                <a:solidFill>
-                  <a:srgbClr val="AA4926"/>
-                </a:solidFill>
-                <a:effectLst/>
-                <a:latin typeface="JetBrains Mono"/>
-              </a:rPr>
-              <a:t>token</a:t>
-            </a:r>
-            <a:r>
-              <a:rPr kumimoji="0" lang="en-US" altLang="en-US" sz="800" b="0" i="0" u="none" strike="noStrike" cap="none" normalizeH="0" baseline="0" dirty="0">
-                <a:ln>
-                  <a:noFill/>
-                </a:ln>
-                <a:solidFill>
-                  <a:srgbClr val="BCBEC4"/>
-                </a:solidFill>
-                <a:effectLst/>
-                <a:latin typeface="JetBrains Mono"/>
-              </a:rPr>
-              <a:t>=</a:t>
-            </a:r>
-            <a:r>
-              <a:rPr kumimoji="0" lang="en-US" altLang="en-US" sz="800" b="0" i="0" u="none" strike="noStrike" cap="none" normalizeH="0" baseline="0" dirty="0" err="1">
-                <a:ln>
-                  <a:noFill/>
-                </a:ln>
-                <a:solidFill>
-                  <a:srgbClr val="BCBEC4"/>
-                </a:solidFill>
-                <a:effectLst/>
-                <a:latin typeface="JetBrains Mono"/>
-              </a:rPr>
-              <a:t>api_key</a:t>
-            </a:r>
-            <a:r>
-              <a:rPr kumimoji="0" lang="en-US" altLang="en-US" sz="800" b="0" i="0" u="none" strike="noStrike" cap="none" normalizeH="0" baseline="0" dirty="0">
-                <a:ln>
-                  <a:noFill/>
-                </a:ln>
-                <a:solidFill>
-                  <a:srgbClr val="BCBEC4"/>
-                </a:solidFill>
-                <a:effectLst/>
-                <a:latin typeface="JetBrains Mono"/>
-              </a:rPr>
-              <a:t>).</a:t>
-            </a:r>
-            <a:r>
-              <a:rPr kumimoji="0" lang="en-US" altLang="en-US" sz="800" b="0" i="0" u="none" strike="noStrike" cap="none" normalizeH="0" baseline="0" dirty="0" err="1">
-                <a:ln>
-                  <a:noFill/>
-                </a:ln>
-                <a:solidFill>
-                  <a:srgbClr val="BCBEC4"/>
-                </a:solidFill>
-                <a:effectLst/>
-                <a:latin typeface="JetBrains Mono"/>
-              </a:rPr>
-              <a:t>get_answer</a:t>
-            </a:r>
-            <a:r>
-              <a:rPr kumimoji="0" lang="en-US" altLang="en-US" sz="800" b="0" i="0" u="none" strike="noStrike" cap="none" normalizeH="0" baseline="0" dirty="0">
-                <a:ln>
-                  <a:noFill/>
-                </a:ln>
-                <a:solidFill>
-                  <a:srgbClr val="BCBEC4"/>
-                </a:solidFill>
-                <a:effectLst/>
-                <a:latin typeface="JetBrains Mono"/>
-              </a:rPr>
-              <a:t>(</a:t>
-            </a:r>
-            <a:r>
-              <a:rPr kumimoji="0" lang="en-US" altLang="en-US" sz="800" b="0" i="0" u="none" strike="noStrike" cap="none" normalizeH="0" baseline="0" dirty="0">
-                <a:ln>
-                  <a:noFill/>
-                </a:ln>
-                <a:solidFill>
-                  <a:srgbClr val="6AAB73"/>
-                </a:solidFill>
-                <a:effectLst/>
-                <a:latin typeface="JetBrains Mono"/>
-              </a:rPr>
-              <a:t>f'</a:t>
-            </a:r>
-            <a:r>
-              <a:rPr kumimoji="0" lang="en-US" altLang="en-US" sz="800" b="0" i="0" u="none" strike="noStrike" cap="none" normalizeH="0" baseline="0" dirty="0">
-                <a:ln>
-                  <a:noFill/>
-                </a:ln>
-                <a:solidFill>
-                  <a:srgbClr val="CF8E6D"/>
-                </a:solidFill>
-                <a:effectLst/>
-                <a:latin typeface="JetBrains Mono"/>
-              </a:rPr>
-              <a:t>{</a:t>
-            </a:r>
-            <a:r>
-              <a:rPr kumimoji="0" lang="en-US" altLang="en-US" sz="800" b="0" i="0" u="none" strike="noStrike" cap="none" normalizeH="0" baseline="0" dirty="0" err="1">
-                <a:ln>
-                  <a:noFill/>
-                </a:ln>
-                <a:solidFill>
-                  <a:srgbClr val="BCBEC4"/>
-                </a:solidFill>
-                <a:effectLst/>
-                <a:latin typeface="JetBrains Mono"/>
-              </a:rPr>
-              <a:t>input_text</a:t>
-            </a:r>
-            <a:r>
-              <a:rPr kumimoji="0" lang="en-US" altLang="en-US" sz="800" b="0" i="0" u="none" strike="noStrike" cap="none" normalizeH="0" baseline="0" dirty="0">
-                <a:ln>
-                  <a:noFill/>
-                </a:ln>
-                <a:solidFill>
-                  <a:srgbClr val="CF8E6D"/>
-                </a:solidFill>
-                <a:effectLst/>
-                <a:latin typeface="JetBrains Mono"/>
-              </a:rPr>
-              <a:t>}</a:t>
-            </a:r>
-            <a:r>
-              <a:rPr kumimoji="0" lang="en-US" altLang="en-US" sz="800" b="0" i="0" u="none" strike="noStrike" cap="none" normalizeH="0" baseline="0" dirty="0">
-                <a:ln>
-                  <a:noFill/>
-                </a:ln>
-                <a:solidFill>
-                  <a:srgbClr val="6AAB73"/>
-                </a:solidFill>
-                <a:effectLst/>
-                <a:latin typeface="JetBrains Mono"/>
-              </a:rPr>
-              <a:t> this data </a:t>
-            </a:r>
-            <a:r>
-              <a:rPr kumimoji="0" lang="en-US" altLang="en-US" sz="800" b="0" i="0" u="none" strike="noStrike" cap="none" normalizeH="0" baseline="0" dirty="0">
-                <a:ln>
-                  <a:noFill/>
-                </a:ln>
-                <a:solidFill>
-                  <a:srgbClr val="CF8E6D"/>
-                </a:solidFill>
-                <a:effectLst/>
-                <a:latin typeface="JetBrains Mono"/>
-              </a:rPr>
-              <a:t>{</a:t>
-            </a:r>
-            <a:r>
-              <a:rPr kumimoji="0" lang="en-US" altLang="en-US" sz="800" b="0" i="0" u="none" strike="noStrike" cap="none" normalizeH="0" baseline="0" dirty="0" err="1">
-                <a:ln>
-                  <a:noFill/>
-                </a:ln>
-                <a:solidFill>
-                  <a:srgbClr val="BCBEC4"/>
-                </a:solidFill>
-                <a:effectLst/>
-                <a:latin typeface="JetBrains Mono"/>
-              </a:rPr>
-              <a:t>my_data</a:t>
-            </a:r>
-            <a:r>
-              <a:rPr kumimoji="0" lang="en-US" altLang="en-US" sz="800" b="0" i="0" u="none" strike="noStrike" cap="none" normalizeH="0" baseline="0" dirty="0">
-                <a:ln>
-                  <a:noFill/>
-                </a:ln>
-                <a:solidFill>
-                  <a:srgbClr val="CF8E6D"/>
-                </a:solidFill>
-                <a:effectLst/>
-                <a:latin typeface="JetBrains Mono"/>
-              </a:rPr>
-              <a:t>}</a:t>
-            </a:r>
-            <a:r>
-              <a:rPr kumimoji="0" lang="en-US" altLang="en-US" sz="800" b="0" i="0" u="none" strike="noStrike" cap="none" normalizeH="0" baseline="0" dirty="0">
-                <a:ln>
-                  <a:noFill/>
-                </a:ln>
-                <a:solidFill>
-                  <a:srgbClr val="6AAB73"/>
-                </a:solidFill>
-                <a:effectLst/>
-                <a:latin typeface="JetBrains Mono"/>
-              </a:rPr>
-              <a:t>'</a:t>
-            </a:r>
-            <a:r>
-              <a:rPr kumimoji="0" lang="en-US" altLang="en-US" sz="800" b="0" i="0" u="none" strike="noStrike" cap="none" normalizeH="0" baseline="0" dirty="0">
-                <a:ln>
-                  <a:noFill/>
-                </a:ln>
-                <a:solidFill>
-                  <a:srgbClr val="BCBEC4"/>
-                </a:solidFill>
-                <a:effectLst/>
-                <a:latin typeface="JetBrains Mono"/>
-              </a:rPr>
-              <a:t>)[</a:t>
-            </a:r>
-            <a:r>
-              <a:rPr kumimoji="0" lang="en-US" altLang="en-US" sz="800" b="0" i="0" u="none" strike="noStrike" cap="none" normalizeH="0" baseline="0" dirty="0">
-                <a:ln>
-                  <a:noFill/>
-                </a:ln>
-                <a:solidFill>
-                  <a:srgbClr val="6AAB73"/>
-                </a:solidFill>
-                <a:effectLst/>
-                <a:latin typeface="JetBrains Mono"/>
-              </a:rPr>
-              <a:t>'content'</a:t>
-            </a:r>
-            <a:r>
-              <a:rPr kumimoji="0" lang="en-US" altLang="en-US" sz="800" b="0" i="0" u="none" strike="noStrike" cap="none" normalizeH="0" baseline="0" dirty="0">
-                <a:ln>
-                  <a:noFill/>
-                </a:ln>
-                <a:solidFill>
-                  <a:srgbClr val="BCBEC4"/>
-                </a:solidFill>
-                <a:effectLst/>
-                <a:latin typeface="JetBrains Mono"/>
-              </a:rPr>
-              <a:t>]</a:t>
-            </a:r>
-            <a:br>
-              <a:rPr kumimoji="0" lang="en-US" altLang="en-US" sz="800" b="0" i="0" u="none" strike="noStrike" cap="none" normalizeH="0" baseline="0" dirty="0">
-                <a:ln>
-                  <a:noFill/>
-                </a:ln>
-                <a:solidFill>
-                  <a:srgbClr val="BCBEC4"/>
-                </a:solidFill>
-                <a:effectLst/>
-                <a:latin typeface="JetBrains Mono"/>
-              </a:rPr>
-            </a:br>
-            <a:r>
-              <a:rPr kumimoji="0" lang="en-US" altLang="en-US" sz="800" b="0" i="0" u="none" strike="noStrike" cap="none" normalizeH="0" baseline="0" dirty="0">
-                <a:ln>
-                  <a:noFill/>
-                </a:ln>
-                <a:solidFill>
-                  <a:srgbClr val="BCBEC4"/>
-                </a:solidFill>
-                <a:effectLst/>
-                <a:latin typeface="JetBrains Mono"/>
-              </a:rPr>
-              <a:t>    </a:t>
-            </a:r>
-            <a:r>
-              <a:rPr kumimoji="0" lang="en-US" altLang="en-US" sz="800" b="0" i="0" u="none" strike="noStrike" cap="none" normalizeH="0" baseline="0" dirty="0" err="1">
-                <a:ln>
-                  <a:noFill/>
-                </a:ln>
-                <a:solidFill>
-                  <a:srgbClr val="BCBEC4"/>
-                </a:solidFill>
-                <a:effectLst/>
-                <a:latin typeface="JetBrains Mono"/>
-              </a:rPr>
-              <a:t>st.write</a:t>
-            </a:r>
-            <a:r>
-              <a:rPr kumimoji="0" lang="en-US" altLang="en-US" sz="800" b="0" i="0" u="none" strike="noStrike" cap="none" normalizeH="0" baseline="0" dirty="0">
-                <a:ln>
-                  <a:noFill/>
-                </a:ln>
-                <a:solidFill>
-                  <a:srgbClr val="BCBEC4"/>
-                </a:solidFill>
-                <a:effectLst/>
-                <a:latin typeface="JetBrains Mono"/>
-              </a:rPr>
-              <a:t>(</a:t>
-            </a:r>
-            <a:r>
-              <a:rPr kumimoji="0" lang="en-US" altLang="en-US" sz="800" b="0" i="0" u="none" strike="noStrike" cap="none" normalizeH="0" baseline="0" dirty="0">
-                <a:ln>
-                  <a:noFill/>
-                </a:ln>
-                <a:solidFill>
-                  <a:srgbClr val="6AAB73"/>
-                </a:solidFill>
-                <a:effectLst/>
-                <a:latin typeface="JetBrains Mono"/>
-              </a:rPr>
-              <a:t>f'</a:t>
-            </a:r>
-            <a:r>
-              <a:rPr kumimoji="0" lang="en-US" altLang="en-US" sz="800" b="0" i="0" u="none" strike="noStrike" cap="none" normalizeH="0" baseline="0" dirty="0">
-                <a:ln>
-                  <a:noFill/>
-                </a:ln>
-                <a:solidFill>
-                  <a:srgbClr val="CF8E6D"/>
-                </a:solidFill>
-                <a:effectLst/>
-                <a:latin typeface="JetBrains Mono"/>
-              </a:rPr>
-              <a:t>{</a:t>
-            </a:r>
-            <a:r>
-              <a:rPr kumimoji="0" lang="en-US" altLang="en-US" sz="800" b="0" i="0" u="none" strike="noStrike" cap="none" normalizeH="0" baseline="0" dirty="0">
-                <a:ln>
-                  <a:noFill/>
-                </a:ln>
-                <a:solidFill>
-                  <a:srgbClr val="BCBEC4"/>
-                </a:solidFill>
-                <a:effectLst/>
-                <a:latin typeface="JetBrains Mono"/>
-              </a:rPr>
-              <a:t>answer</a:t>
-            </a:r>
-            <a:r>
-              <a:rPr kumimoji="0" lang="en-US" altLang="en-US" sz="800" b="0" i="0" u="none" strike="noStrike" cap="none" normalizeH="0" baseline="0" dirty="0">
-                <a:ln>
-                  <a:noFill/>
-                </a:ln>
-                <a:solidFill>
-                  <a:srgbClr val="CF8E6D"/>
-                </a:solidFill>
-                <a:effectLst/>
-                <a:latin typeface="JetBrains Mono"/>
-              </a:rPr>
-              <a:t>}</a:t>
-            </a:r>
-            <a:r>
-              <a:rPr kumimoji="0" lang="en-US" altLang="en-US" sz="800" b="0" i="0" u="none" strike="noStrike" cap="none" normalizeH="0" baseline="0" dirty="0">
-                <a:ln>
-                  <a:noFill/>
-                </a:ln>
-                <a:solidFill>
-                  <a:srgbClr val="6AAB73"/>
-                </a:solidFill>
-                <a:effectLst/>
-                <a:latin typeface="JetBrains Mono"/>
-              </a:rPr>
-              <a:t>'</a:t>
-            </a:r>
-            <a:r>
-              <a:rPr kumimoji="0" lang="en-US" altLang="en-US" sz="800" b="0" i="0" u="none" strike="noStrike" cap="none" normalizeH="0" baseline="0" dirty="0">
-                <a:ln>
-                  <a:noFill/>
-                </a:ln>
-                <a:solidFill>
-                  <a:srgbClr val="BCBEC4"/>
-                </a:solidFill>
-                <a:effectLst/>
-                <a:latin typeface="JetBrains Mono"/>
-              </a:rPr>
-              <a:t>)</a:t>
-            </a:r>
-            <a:br>
-              <a:rPr kumimoji="0" lang="en-US" altLang="en-US" sz="800" b="0" i="0" u="none" strike="noStrike" cap="none" normalizeH="0" baseline="0" dirty="0">
-                <a:ln>
-                  <a:noFill/>
-                </a:ln>
-                <a:solidFill>
-                  <a:srgbClr val="BCBEC4"/>
-                </a:solidFill>
-                <a:effectLst/>
-                <a:latin typeface="JetBrains Mono"/>
-              </a:rPr>
-            </a:br>
-            <a:br>
-              <a:rPr kumimoji="0" lang="en-US" altLang="en-US" sz="800" b="0" i="0" u="none" strike="noStrike" cap="none" normalizeH="0" baseline="0" dirty="0">
-                <a:ln>
-                  <a:noFill/>
-                </a:ln>
-                <a:solidFill>
-                  <a:srgbClr val="BCBEC4"/>
-                </a:solidFill>
-                <a:effectLst/>
-                <a:latin typeface="JetBrains Mono"/>
-              </a:rPr>
-            </a:br>
-            <a:r>
-              <a:rPr kumimoji="0" lang="en-US" altLang="en-US" sz="800" b="0" i="0" u="none" strike="noStrike" cap="none" normalizeH="0" baseline="0" dirty="0">
-                <a:ln>
-                  <a:noFill/>
-                </a:ln>
-                <a:solidFill>
-                  <a:srgbClr val="BCBEC4"/>
-                </a:solidFill>
-                <a:effectLst/>
-                <a:latin typeface="JetBrains Mono"/>
-              </a:rPr>
-              <a:t>    input_text2 = </a:t>
-            </a:r>
-            <a:r>
-              <a:rPr kumimoji="0" lang="en-US" altLang="en-US" sz="800" b="0" i="0" u="none" strike="noStrike" cap="none" normalizeH="0" baseline="0" dirty="0" err="1">
-                <a:ln>
-                  <a:noFill/>
-                </a:ln>
-                <a:solidFill>
-                  <a:srgbClr val="BCBEC4"/>
-                </a:solidFill>
-                <a:effectLst/>
-                <a:latin typeface="JetBrains Mono"/>
-              </a:rPr>
-              <a:t>st.text_area</a:t>
-            </a:r>
-            <a:r>
-              <a:rPr kumimoji="0" lang="en-US" altLang="en-US" sz="800" b="0" i="0" u="none" strike="noStrike" cap="none" normalizeH="0" baseline="0" dirty="0">
-                <a:ln>
-                  <a:noFill/>
-                </a:ln>
-                <a:solidFill>
-                  <a:srgbClr val="BCBEC4"/>
-                </a:solidFill>
-                <a:effectLst/>
-                <a:latin typeface="JetBrains Mono"/>
-              </a:rPr>
-              <a:t>(</a:t>
-            </a:r>
-            <a:r>
-              <a:rPr kumimoji="0" lang="en-US" altLang="en-US" sz="800" b="0" i="0" u="none" strike="noStrike" cap="none" normalizeH="0" baseline="0" dirty="0">
-                <a:ln>
-                  <a:noFill/>
-                </a:ln>
-                <a:solidFill>
-                  <a:srgbClr val="6AAB73"/>
-                </a:solidFill>
-                <a:effectLst/>
-                <a:latin typeface="JetBrains Mono"/>
-              </a:rPr>
-              <a:t>"</a:t>
-            </a:r>
-            <a:r>
-              <a:rPr kumimoji="0" lang="en-US" altLang="en-US" sz="800" b="0" i="0" u="none" strike="noStrike" cap="none" normalizeH="0" baseline="0" dirty="0" err="1">
-                <a:ln>
-                  <a:noFill/>
-                </a:ln>
-                <a:solidFill>
-                  <a:srgbClr val="6AAB73"/>
-                </a:solidFill>
-                <a:effectLst/>
-                <a:latin typeface="JetBrains Mono"/>
-              </a:rPr>
-              <a:t>ChatBot</a:t>
-            </a:r>
-            <a:r>
-              <a:rPr kumimoji="0" lang="en-US" altLang="en-US" sz="800" b="0" i="0" u="none" strike="noStrike" cap="none" normalizeH="0" baseline="0" dirty="0">
-                <a:ln>
-                  <a:noFill/>
-                </a:ln>
-                <a:solidFill>
-                  <a:srgbClr val="6AAB73"/>
-                </a:solidFill>
-                <a:effectLst/>
-                <a:latin typeface="JetBrains Mono"/>
-              </a:rPr>
-              <a:t> - Raise Your Question"</a:t>
-            </a:r>
-            <a:r>
-              <a:rPr kumimoji="0" lang="en-US" altLang="en-US" sz="800" b="0" i="0" u="none" strike="noStrike" cap="none" normalizeH="0" baseline="0" dirty="0">
-                <a:ln>
-                  <a:noFill/>
-                </a:ln>
-                <a:solidFill>
-                  <a:srgbClr val="BCBEC4"/>
-                </a:solidFill>
-                <a:effectLst/>
-                <a:latin typeface="JetBrains Mono"/>
-              </a:rPr>
-              <a:t>)</a:t>
-            </a:r>
-            <a:br>
-              <a:rPr kumimoji="0" lang="en-US" altLang="en-US" sz="800" b="0" i="0" u="none" strike="noStrike" cap="none" normalizeH="0" baseline="0" dirty="0">
-                <a:ln>
-                  <a:noFill/>
-                </a:ln>
-                <a:solidFill>
-                  <a:srgbClr val="BCBEC4"/>
-                </a:solidFill>
-                <a:effectLst/>
-                <a:latin typeface="JetBrains Mono"/>
-              </a:rPr>
-            </a:br>
-            <a:r>
-              <a:rPr kumimoji="0" lang="en-US" altLang="en-US" sz="800" b="0" i="0" u="none" strike="noStrike" cap="none" normalizeH="0" baseline="0" dirty="0">
-                <a:ln>
-                  <a:noFill/>
-                </a:ln>
-                <a:solidFill>
-                  <a:srgbClr val="BCBEC4"/>
-                </a:solidFill>
-                <a:effectLst/>
-                <a:latin typeface="JetBrains Mono"/>
-              </a:rPr>
-              <a:t>    answer2 = Bard(</a:t>
-            </a:r>
-            <a:r>
-              <a:rPr kumimoji="0" lang="en-US" altLang="en-US" sz="800" b="0" i="0" u="none" strike="noStrike" cap="none" normalizeH="0" baseline="0" dirty="0">
-                <a:ln>
-                  <a:noFill/>
-                </a:ln>
-                <a:solidFill>
-                  <a:srgbClr val="AA4926"/>
-                </a:solidFill>
-                <a:effectLst/>
-                <a:latin typeface="JetBrains Mono"/>
-              </a:rPr>
-              <a:t>token</a:t>
-            </a:r>
-            <a:r>
-              <a:rPr kumimoji="0" lang="en-US" altLang="en-US" sz="800" b="0" i="0" u="none" strike="noStrike" cap="none" normalizeH="0" baseline="0" dirty="0">
-                <a:ln>
-                  <a:noFill/>
-                </a:ln>
-                <a:solidFill>
-                  <a:srgbClr val="BCBEC4"/>
-                </a:solidFill>
-                <a:effectLst/>
-                <a:latin typeface="JetBrains Mono"/>
-              </a:rPr>
-              <a:t>=</a:t>
-            </a:r>
-            <a:r>
-              <a:rPr kumimoji="0" lang="en-US" altLang="en-US" sz="800" b="0" i="0" u="none" strike="noStrike" cap="none" normalizeH="0" baseline="0" dirty="0" err="1">
-                <a:ln>
-                  <a:noFill/>
-                </a:ln>
-                <a:solidFill>
-                  <a:srgbClr val="BCBEC4"/>
-                </a:solidFill>
-                <a:effectLst/>
-                <a:latin typeface="JetBrains Mono"/>
-              </a:rPr>
-              <a:t>api_key</a:t>
-            </a:r>
-            <a:r>
-              <a:rPr kumimoji="0" lang="en-US" altLang="en-US" sz="800" b="0" i="0" u="none" strike="noStrike" cap="none" normalizeH="0" baseline="0" dirty="0">
-                <a:ln>
-                  <a:noFill/>
-                </a:ln>
-                <a:solidFill>
-                  <a:srgbClr val="BCBEC4"/>
-                </a:solidFill>
-                <a:effectLst/>
-                <a:latin typeface="JetBrains Mono"/>
-              </a:rPr>
-              <a:t>).</a:t>
-            </a:r>
-            <a:r>
-              <a:rPr kumimoji="0" lang="en-US" altLang="en-US" sz="800" b="0" i="0" u="none" strike="noStrike" cap="none" normalizeH="0" baseline="0" dirty="0" err="1">
-                <a:ln>
-                  <a:noFill/>
-                </a:ln>
-                <a:solidFill>
-                  <a:srgbClr val="BCBEC4"/>
-                </a:solidFill>
-                <a:effectLst/>
-                <a:latin typeface="JetBrains Mono"/>
-              </a:rPr>
-              <a:t>get_answer</a:t>
-            </a:r>
-            <a:r>
-              <a:rPr kumimoji="0" lang="en-US" altLang="en-US" sz="800" b="0" i="0" u="none" strike="noStrike" cap="none" normalizeH="0" baseline="0" dirty="0">
-                <a:ln>
-                  <a:noFill/>
-                </a:ln>
-                <a:solidFill>
-                  <a:srgbClr val="BCBEC4"/>
-                </a:solidFill>
-                <a:effectLst/>
-                <a:latin typeface="JetBrains Mono"/>
-              </a:rPr>
-              <a:t>(</a:t>
-            </a:r>
-            <a:r>
-              <a:rPr kumimoji="0" lang="en-US" altLang="en-US" sz="800" b="0" i="0" u="none" strike="noStrike" cap="none" normalizeH="0" baseline="0" dirty="0">
-                <a:ln>
-                  <a:noFill/>
-                </a:ln>
-                <a:solidFill>
-                  <a:srgbClr val="6AAB73"/>
-                </a:solidFill>
-                <a:effectLst/>
-                <a:latin typeface="JetBrains Mono"/>
-              </a:rPr>
-              <a:t>f'</a:t>
-            </a:r>
-            <a:r>
-              <a:rPr kumimoji="0" lang="en-US" altLang="en-US" sz="800" b="0" i="0" u="none" strike="noStrike" cap="none" normalizeH="0" baseline="0" dirty="0">
-                <a:ln>
-                  <a:noFill/>
-                </a:ln>
-                <a:solidFill>
-                  <a:srgbClr val="CF8E6D"/>
-                </a:solidFill>
-                <a:effectLst/>
-                <a:latin typeface="JetBrains Mono"/>
-              </a:rPr>
-              <a:t>{</a:t>
-            </a:r>
-            <a:r>
-              <a:rPr kumimoji="0" lang="en-US" altLang="en-US" sz="800" b="0" i="0" u="none" strike="noStrike" cap="none" normalizeH="0" baseline="0" dirty="0">
-                <a:ln>
-                  <a:noFill/>
-                </a:ln>
-                <a:solidFill>
-                  <a:srgbClr val="BCBEC4"/>
-                </a:solidFill>
-                <a:effectLst/>
-                <a:latin typeface="JetBrains Mono"/>
-              </a:rPr>
-              <a:t>input_text2</a:t>
-            </a:r>
-            <a:r>
-              <a:rPr kumimoji="0" lang="en-US" altLang="en-US" sz="800" b="0" i="0" u="none" strike="noStrike" cap="none" normalizeH="0" baseline="0" dirty="0">
-                <a:ln>
-                  <a:noFill/>
-                </a:ln>
-                <a:solidFill>
-                  <a:srgbClr val="CF8E6D"/>
-                </a:solidFill>
-                <a:effectLst/>
-                <a:latin typeface="JetBrains Mono"/>
-              </a:rPr>
-              <a:t>}</a:t>
-            </a:r>
-            <a:r>
-              <a:rPr kumimoji="0" lang="en-US" altLang="en-US" sz="800" b="0" i="0" u="none" strike="noStrike" cap="none" normalizeH="0" baseline="0" dirty="0">
-                <a:ln>
-                  <a:noFill/>
-                </a:ln>
-                <a:solidFill>
-                  <a:srgbClr val="6AAB73"/>
-                </a:solidFill>
-                <a:effectLst/>
-                <a:latin typeface="JetBrains Mono"/>
-              </a:rPr>
-              <a:t> this data </a:t>
-            </a:r>
-            <a:r>
-              <a:rPr kumimoji="0" lang="en-US" altLang="en-US" sz="800" b="0" i="0" u="none" strike="noStrike" cap="none" normalizeH="0" baseline="0" dirty="0">
-                <a:ln>
-                  <a:noFill/>
-                </a:ln>
-                <a:solidFill>
-                  <a:srgbClr val="CF8E6D"/>
-                </a:solidFill>
-                <a:effectLst/>
-                <a:latin typeface="JetBrains Mono"/>
-              </a:rPr>
-              <a:t>{</a:t>
-            </a:r>
-            <a:r>
-              <a:rPr kumimoji="0" lang="en-US" altLang="en-US" sz="800" b="0" i="0" u="none" strike="noStrike" cap="none" normalizeH="0" baseline="0" dirty="0" err="1">
-                <a:ln>
-                  <a:noFill/>
-                </a:ln>
-                <a:solidFill>
-                  <a:srgbClr val="BCBEC4"/>
-                </a:solidFill>
-                <a:effectLst/>
-                <a:latin typeface="JetBrains Mono"/>
-              </a:rPr>
-              <a:t>my_data</a:t>
-            </a:r>
-            <a:r>
-              <a:rPr kumimoji="0" lang="en-US" altLang="en-US" sz="800" b="0" i="0" u="none" strike="noStrike" cap="none" normalizeH="0" baseline="0" dirty="0">
-                <a:ln>
-                  <a:noFill/>
-                </a:ln>
-                <a:solidFill>
-                  <a:srgbClr val="CF8E6D"/>
-                </a:solidFill>
-                <a:effectLst/>
-                <a:latin typeface="JetBrains Mono"/>
-              </a:rPr>
-              <a:t>}</a:t>
-            </a:r>
-            <a:r>
-              <a:rPr kumimoji="0" lang="en-US" altLang="en-US" sz="800" b="0" i="0" u="none" strike="noStrike" cap="none" normalizeH="0" baseline="0" dirty="0">
-                <a:ln>
-                  <a:noFill/>
-                </a:ln>
-                <a:solidFill>
-                  <a:srgbClr val="6AAB73"/>
-                </a:solidFill>
-                <a:effectLst/>
-                <a:latin typeface="JetBrains Mono"/>
-              </a:rPr>
-              <a:t>'</a:t>
-            </a:r>
-            <a:r>
-              <a:rPr kumimoji="0" lang="en-US" altLang="en-US" sz="800" b="0" i="0" u="none" strike="noStrike" cap="none" normalizeH="0" baseline="0" dirty="0">
-                <a:ln>
-                  <a:noFill/>
-                </a:ln>
-                <a:solidFill>
-                  <a:srgbClr val="BCBEC4"/>
-                </a:solidFill>
-                <a:effectLst/>
-                <a:latin typeface="JetBrains Mono"/>
-              </a:rPr>
-              <a:t>)[</a:t>
-            </a:r>
-            <a:r>
-              <a:rPr kumimoji="0" lang="en-US" altLang="en-US" sz="800" b="0" i="0" u="none" strike="noStrike" cap="none" normalizeH="0" baseline="0" dirty="0">
-                <a:ln>
-                  <a:noFill/>
-                </a:ln>
-                <a:solidFill>
-                  <a:srgbClr val="6AAB73"/>
-                </a:solidFill>
-                <a:effectLst/>
-                <a:latin typeface="JetBrains Mono"/>
-              </a:rPr>
-              <a:t>'content'</a:t>
-            </a:r>
-            <a:r>
-              <a:rPr kumimoji="0" lang="en-US" altLang="en-US" sz="800" b="0" i="0" u="none" strike="noStrike" cap="none" normalizeH="0" baseline="0" dirty="0">
-                <a:ln>
-                  <a:noFill/>
-                </a:ln>
-                <a:solidFill>
-                  <a:srgbClr val="BCBEC4"/>
-                </a:solidFill>
-                <a:effectLst/>
-                <a:latin typeface="JetBrains Mono"/>
-              </a:rPr>
-              <a:t>]</a:t>
-            </a:r>
-            <a:br>
-              <a:rPr kumimoji="0" lang="en-US" altLang="en-US" sz="800" b="0" i="0" u="none" strike="noStrike" cap="none" normalizeH="0" baseline="0" dirty="0">
-                <a:ln>
-                  <a:noFill/>
-                </a:ln>
-                <a:solidFill>
-                  <a:srgbClr val="BCBEC4"/>
-                </a:solidFill>
-                <a:effectLst/>
-                <a:latin typeface="JetBrains Mono"/>
-              </a:rPr>
-            </a:br>
-            <a:r>
-              <a:rPr kumimoji="0" lang="en-US" altLang="en-US" sz="800" b="0" i="0" u="none" strike="noStrike" cap="none" normalizeH="0" baseline="0" dirty="0">
-                <a:ln>
-                  <a:noFill/>
-                </a:ln>
-                <a:solidFill>
-                  <a:srgbClr val="BCBEC4"/>
-                </a:solidFill>
-                <a:effectLst/>
-                <a:latin typeface="JetBrains Mono"/>
-              </a:rPr>
-              <a:t>    </a:t>
-            </a:r>
-            <a:r>
-              <a:rPr kumimoji="0" lang="en-US" altLang="en-US" sz="800" b="0" i="0" u="none" strike="noStrike" cap="none" normalizeH="0" baseline="0" dirty="0" err="1">
-                <a:ln>
-                  <a:noFill/>
-                </a:ln>
-                <a:solidFill>
-                  <a:srgbClr val="BCBEC4"/>
-                </a:solidFill>
-                <a:effectLst/>
-                <a:latin typeface="JetBrains Mono"/>
-              </a:rPr>
-              <a:t>st.write</a:t>
-            </a:r>
-            <a:r>
-              <a:rPr kumimoji="0" lang="en-US" altLang="en-US" sz="800" b="0" i="0" u="none" strike="noStrike" cap="none" normalizeH="0" baseline="0" dirty="0">
-                <a:ln>
-                  <a:noFill/>
-                </a:ln>
-                <a:solidFill>
-                  <a:srgbClr val="BCBEC4"/>
-                </a:solidFill>
-                <a:effectLst/>
-                <a:latin typeface="JetBrains Mono"/>
-              </a:rPr>
-              <a:t>(</a:t>
-            </a:r>
-            <a:r>
-              <a:rPr kumimoji="0" lang="en-US" altLang="en-US" sz="800" b="0" i="0" u="none" strike="noStrike" cap="none" normalizeH="0" baseline="0" dirty="0">
-                <a:ln>
-                  <a:noFill/>
-                </a:ln>
-                <a:solidFill>
-                  <a:srgbClr val="6AAB73"/>
-                </a:solidFill>
-                <a:effectLst/>
-                <a:latin typeface="JetBrains Mono"/>
-              </a:rPr>
-              <a:t>f'</a:t>
-            </a:r>
-            <a:r>
-              <a:rPr kumimoji="0" lang="en-US" altLang="en-US" sz="800" b="0" i="0" u="none" strike="noStrike" cap="none" normalizeH="0" baseline="0" dirty="0">
-                <a:ln>
-                  <a:noFill/>
-                </a:ln>
-                <a:solidFill>
-                  <a:srgbClr val="CF8E6D"/>
-                </a:solidFill>
-                <a:effectLst/>
-                <a:latin typeface="JetBrains Mono"/>
-              </a:rPr>
-              <a:t>{</a:t>
-            </a:r>
-            <a:r>
-              <a:rPr kumimoji="0" lang="en-US" altLang="en-US" sz="800" b="0" i="0" u="none" strike="noStrike" cap="none" normalizeH="0" baseline="0" dirty="0">
-                <a:ln>
-                  <a:noFill/>
-                </a:ln>
-                <a:solidFill>
-                  <a:srgbClr val="BCBEC4"/>
-                </a:solidFill>
-                <a:effectLst/>
-                <a:latin typeface="JetBrains Mono"/>
-              </a:rPr>
-              <a:t>answer2</a:t>
-            </a:r>
-            <a:r>
-              <a:rPr kumimoji="0" lang="en-US" altLang="en-US" sz="800" b="0" i="0" u="none" strike="noStrike" cap="none" normalizeH="0" baseline="0" dirty="0">
-                <a:ln>
-                  <a:noFill/>
-                </a:ln>
-                <a:solidFill>
-                  <a:srgbClr val="CF8E6D"/>
-                </a:solidFill>
-                <a:effectLst/>
-                <a:latin typeface="JetBrains Mono"/>
-              </a:rPr>
-              <a:t>}</a:t>
-            </a:r>
-            <a:r>
-              <a:rPr kumimoji="0" lang="en-US" altLang="en-US" sz="800" b="0" i="0" u="none" strike="noStrike" cap="none" normalizeH="0" baseline="0" dirty="0">
-                <a:ln>
-                  <a:noFill/>
-                </a:ln>
-                <a:solidFill>
-                  <a:srgbClr val="6AAB73"/>
-                </a:solidFill>
-                <a:effectLst/>
-                <a:latin typeface="JetBrains Mono"/>
-              </a:rPr>
-              <a:t>'</a:t>
-            </a:r>
-            <a:r>
-              <a:rPr kumimoji="0" lang="en-US" altLang="en-US" sz="800" b="0" i="0" u="none" strike="noStrike" cap="none" normalizeH="0" baseline="0" dirty="0">
-                <a:ln>
-                  <a:noFill/>
-                </a:ln>
-                <a:solidFill>
-                  <a:srgbClr val="BCBEC4"/>
-                </a:solidFill>
-                <a:effectLst/>
-                <a:latin typeface="JetBrains Mono"/>
-              </a:rPr>
-              <a:t>)</a:t>
-            </a:r>
-            <a:br>
-              <a:rPr kumimoji="0" lang="en-US" altLang="en-US" sz="800" b="0" i="0" u="none" strike="noStrike" cap="none" normalizeH="0" baseline="0" dirty="0">
-                <a:ln>
-                  <a:noFill/>
-                </a:ln>
-                <a:solidFill>
-                  <a:srgbClr val="BCBEC4"/>
-                </a:solidFill>
-                <a:effectLst/>
-                <a:latin typeface="JetBrains Mono"/>
-              </a:rPr>
-            </a:br>
-            <a:br>
-              <a:rPr kumimoji="0" lang="en-US" altLang="en-US" sz="800" b="0" i="0" u="none" strike="noStrike" cap="none" normalizeH="0" baseline="0" dirty="0">
-                <a:ln>
-                  <a:noFill/>
-                </a:ln>
-                <a:solidFill>
-                  <a:srgbClr val="BCBEC4"/>
-                </a:solidFill>
-                <a:effectLst/>
-                <a:latin typeface="JetBrains Mono"/>
-              </a:rPr>
-            </a:br>
-            <a:r>
-              <a:rPr kumimoji="0" lang="en-US" altLang="en-US" sz="800" b="0" i="0" u="none" strike="noStrike" cap="none" normalizeH="0" baseline="0" dirty="0">
-                <a:ln>
-                  <a:noFill/>
-                </a:ln>
-                <a:solidFill>
-                  <a:srgbClr val="BCBEC4"/>
-                </a:solidFill>
-                <a:effectLst/>
-                <a:latin typeface="JetBrains Mono"/>
-              </a:rPr>
-              <a:t>    </a:t>
-            </a:r>
-            <a:r>
-              <a:rPr kumimoji="0" lang="en-US" altLang="en-US" sz="800" b="0" i="0" u="none" strike="noStrike" cap="none" normalizeH="0" baseline="0" dirty="0" err="1">
-                <a:ln>
-                  <a:noFill/>
-                </a:ln>
-                <a:solidFill>
-                  <a:srgbClr val="BCBEC4"/>
-                </a:solidFill>
-                <a:effectLst/>
-                <a:latin typeface="JetBrains Mono"/>
-              </a:rPr>
-              <a:t>st.subheader</a:t>
-            </a:r>
-            <a:r>
-              <a:rPr kumimoji="0" lang="en-US" altLang="en-US" sz="800" b="0" i="0" u="none" strike="noStrike" cap="none" normalizeH="0" baseline="0" dirty="0">
-                <a:ln>
-                  <a:noFill/>
-                </a:ln>
-                <a:solidFill>
-                  <a:srgbClr val="BCBEC4"/>
-                </a:solidFill>
-                <a:effectLst/>
-                <a:latin typeface="JetBrains Mono"/>
-              </a:rPr>
-              <a:t>(</a:t>
-            </a:r>
-            <a:r>
-              <a:rPr kumimoji="0" lang="en-US" altLang="en-US" sz="800" b="0" i="0" u="none" strike="noStrike" cap="none" normalizeH="0" baseline="0" dirty="0">
-                <a:ln>
-                  <a:noFill/>
-                </a:ln>
-                <a:solidFill>
-                  <a:srgbClr val="6AAB73"/>
-                </a:solidFill>
-                <a:effectLst/>
-                <a:latin typeface="JetBrains Mono"/>
-              </a:rPr>
-              <a:t>"Pandas Review"</a:t>
-            </a:r>
-            <a:r>
-              <a:rPr kumimoji="0" lang="en-US" altLang="en-US" sz="800" b="0" i="0" u="none" strike="noStrike" cap="none" normalizeH="0" baseline="0" dirty="0">
-                <a:ln>
-                  <a:noFill/>
-                </a:ln>
-                <a:solidFill>
-                  <a:srgbClr val="BCBEC4"/>
-                </a:solidFill>
-                <a:effectLst/>
-                <a:latin typeface="JetBrains Mono"/>
-              </a:rPr>
-              <a:t>)</a:t>
-            </a:r>
-            <a:br>
-              <a:rPr kumimoji="0" lang="en-US" altLang="en-US" sz="800" b="0" i="0" u="none" strike="noStrike" cap="none" normalizeH="0" baseline="0" dirty="0">
-                <a:ln>
-                  <a:noFill/>
-                </a:ln>
-                <a:solidFill>
-                  <a:srgbClr val="BCBEC4"/>
-                </a:solidFill>
-                <a:effectLst/>
-                <a:latin typeface="JetBrains Mono"/>
-              </a:rPr>
-            </a:br>
-            <a:r>
-              <a:rPr kumimoji="0" lang="en-US" altLang="en-US" sz="800" b="0" i="0" u="none" strike="noStrike" cap="none" normalizeH="0" baseline="0" dirty="0">
-                <a:ln>
-                  <a:noFill/>
-                </a:ln>
-                <a:solidFill>
-                  <a:srgbClr val="BCBEC4"/>
-                </a:solidFill>
-                <a:effectLst/>
-                <a:latin typeface="JetBrains Mono"/>
-              </a:rPr>
-              <a:t>    profile = </a:t>
-            </a:r>
-            <a:r>
-              <a:rPr kumimoji="0" lang="en-US" altLang="en-US" sz="800" b="0" i="0" u="none" strike="noStrike" cap="none" normalizeH="0" baseline="0" dirty="0" err="1">
-                <a:ln>
-                  <a:noFill/>
-                </a:ln>
-                <a:solidFill>
-                  <a:srgbClr val="BCBEC4"/>
-                </a:solidFill>
-                <a:effectLst/>
-                <a:latin typeface="JetBrains Mono"/>
-              </a:rPr>
-              <a:t>ProfileReport</a:t>
-            </a:r>
-            <a:r>
-              <a:rPr kumimoji="0" lang="en-US" altLang="en-US" sz="800" b="0" i="0" u="none" strike="noStrike" cap="none" normalizeH="0" baseline="0" dirty="0">
-                <a:ln>
-                  <a:noFill/>
-                </a:ln>
-                <a:solidFill>
-                  <a:srgbClr val="BCBEC4"/>
-                </a:solidFill>
-                <a:effectLst/>
-                <a:latin typeface="JetBrains Mono"/>
-              </a:rPr>
-              <a:t>(</a:t>
-            </a:r>
-            <a:r>
-              <a:rPr kumimoji="0" lang="en-US" altLang="en-US" sz="800" b="0" i="0" u="none" strike="noStrike" cap="none" normalizeH="0" baseline="0" dirty="0" err="1">
-                <a:ln>
-                  <a:noFill/>
-                </a:ln>
-                <a:solidFill>
-                  <a:srgbClr val="BCBEC4"/>
-                </a:solidFill>
-                <a:effectLst/>
-                <a:latin typeface="JetBrains Mono"/>
-              </a:rPr>
-              <a:t>my_data</a:t>
-            </a:r>
-            <a:r>
-              <a:rPr kumimoji="0" lang="en-US" altLang="en-US" sz="800" b="0" i="0" u="none" strike="noStrike" cap="none" normalizeH="0" baseline="0" dirty="0">
-                <a:ln>
-                  <a:noFill/>
-                </a:ln>
-                <a:solidFill>
-                  <a:srgbClr val="BCBEC4"/>
-                </a:solidFill>
-                <a:effectLst/>
-                <a:latin typeface="JetBrains Mono"/>
-              </a:rPr>
-              <a:t>, </a:t>
-            </a:r>
-            <a:r>
-              <a:rPr kumimoji="0" lang="en-US" altLang="en-US" sz="800" b="0" i="0" u="none" strike="noStrike" cap="none" normalizeH="0" baseline="0" dirty="0">
-                <a:ln>
-                  <a:noFill/>
-                </a:ln>
-                <a:solidFill>
-                  <a:srgbClr val="AA4926"/>
-                </a:solidFill>
-                <a:effectLst/>
-                <a:latin typeface="JetBrains Mono"/>
-              </a:rPr>
-              <a:t>title</a:t>
-            </a:r>
-            <a:r>
-              <a:rPr kumimoji="0" lang="en-US" altLang="en-US" sz="800" b="0" i="0" u="none" strike="noStrike" cap="none" normalizeH="0" baseline="0" dirty="0">
-                <a:ln>
-                  <a:noFill/>
-                </a:ln>
-                <a:solidFill>
-                  <a:srgbClr val="BCBEC4"/>
-                </a:solidFill>
-                <a:effectLst/>
-                <a:latin typeface="JetBrains Mono"/>
-              </a:rPr>
-              <a:t>=</a:t>
-            </a:r>
-            <a:r>
-              <a:rPr kumimoji="0" lang="en-US" altLang="en-US" sz="800" b="0" i="0" u="none" strike="noStrike" cap="none" normalizeH="0" baseline="0" dirty="0">
-                <a:ln>
-                  <a:noFill/>
-                </a:ln>
-                <a:solidFill>
-                  <a:srgbClr val="6AAB73"/>
-                </a:solidFill>
-                <a:effectLst/>
-                <a:latin typeface="JetBrains Mono"/>
-              </a:rPr>
-              <a:t>"Summary of the Data"</a:t>
-            </a:r>
-            <a:r>
-              <a:rPr kumimoji="0" lang="en-US" altLang="en-US" sz="800" b="0" i="0" u="none" strike="noStrike" cap="none" normalizeH="0" baseline="0" dirty="0">
-                <a:ln>
-                  <a:noFill/>
-                </a:ln>
-                <a:solidFill>
-                  <a:srgbClr val="BCBEC4"/>
-                </a:solidFill>
-                <a:effectLst/>
-                <a:latin typeface="JetBrains Mono"/>
-              </a:rPr>
-              <a:t>)</a:t>
-            </a:r>
-            <a:br>
-              <a:rPr kumimoji="0" lang="en-US" altLang="en-US" sz="800" b="0" i="0" u="none" strike="noStrike" cap="none" normalizeH="0" baseline="0" dirty="0">
-                <a:ln>
-                  <a:noFill/>
-                </a:ln>
-                <a:solidFill>
-                  <a:srgbClr val="BCBEC4"/>
-                </a:solidFill>
-                <a:effectLst/>
-                <a:latin typeface="JetBrains Mono"/>
-              </a:rPr>
-            </a:br>
-            <a:r>
-              <a:rPr kumimoji="0" lang="en-US" altLang="en-US" sz="800" b="0" i="0" u="none" strike="noStrike" cap="none" normalizeH="0" baseline="0" dirty="0">
-                <a:ln>
-                  <a:noFill/>
-                </a:ln>
-                <a:solidFill>
-                  <a:srgbClr val="BCBEC4"/>
-                </a:solidFill>
-                <a:effectLst/>
-                <a:latin typeface="JetBrains Mono"/>
-              </a:rPr>
-              <a:t>    </a:t>
-            </a:r>
-            <a:r>
-              <a:rPr kumimoji="0" lang="en-US" altLang="en-US" sz="800" b="0" i="0" u="none" strike="noStrike" cap="none" normalizeH="0" baseline="0" dirty="0" err="1">
-                <a:ln>
-                  <a:noFill/>
-                </a:ln>
-                <a:solidFill>
-                  <a:srgbClr val="BCBEC4"/>
-                </a:solidFill>
-                <a:effectLst/>
-                <a:latin typeface="JetBrains Mono"/>
-              </a:rPr>
-              <a:t>st_profile_report</a:t>
-            </a:r>
-            <a:r>
-              <a:rPr kumimoji="0" lang="en-US" altLang="en-US" sz="800" b="0" i="0" u="none" strike="noStrike" cap="none" normalizeH="0" baseline="0" dirty="0">
-                <a:ln>
-                  <a:noFill/>
-                </a:ln>
-                <a:solidFill>
-                  <a:srgbClr val="BCBEC4"/>
-                </a:solidFill>
-                <a:effectLst/>
-                <a:latin typeface="JetBrains Mono"/>
-              </a:rPr>
-              <a:t>(profile)</a:t>
-            </a:r>
-            <a:br>
-              <a:rPr kumimoji="0" lang="en-US" altLang="en-US" sz="800" b="0" i="0" u="none" strike="noStrike" cap="none" normalizeH="0" baseline="0" dirty="0">
-                <a:ln>
-                  <a:noFill/>
-                </a:ln>
-                <a:solidFill>
-                  <a:srgbClr val="BCBEC4"/>
-                </a:solidFill>
-                <a:effectLst/>
-                <a:latin typeface="JetBrains Mono"/>
-              </a:rPr>
-            </a:br>
-            <a:br>
-              <a:rPr kumimoji="0" lang="en-US" altLang="en-US" sz="800" b="0" i="0" u="none" strike="noStrike" cap="none" normalizeH="0" baseline="0" dirty="0">
-                <a:ln>
-                  <a:noFill/>
-                </a:ln>
-                <a:solidFill>
-                  <a:srgbClr val="BCBEC4"/>
-                </a:solidFill>
-                <a:effectLst/>
-                <a:latin typeface="JetBrains Mono"/>
-              </a:rPr>
-            </a:br>
-            <a:r>
-              <a:rPr kumimoji="0" lang="en-US" altLang="en-US" sz="800" b="0" i="0" u="none" strike="noStrike" cap="none" normalizeH="0" baseline="0" dirty="0">
-                <a:ln>
-                  <a:noFill/>
-                </a:ln>
-                <a:solidFill>
-                  <a:srgbClr val="CF8E6D"/>
-                </a:solidFill>
-                <a:effectLst/>
-                <a:latin typeface="JetBrains Mono"/>
-              </a:rPr>
-              <a:t>else</a:t>
-            </a:r>
-            <a:r>
-              <a:rPr kumimoji="0" lang="en-US" altLang="en-US" sz="800" b="0" i="0" u="none" strike="noStrike" cap="none" normalizeH="0" baseline="0" dirty="0">
-                <a:ln>
-                  <a:noFill/>
-                </a:ln>
-                <a:solidFill>
-                  <a:srgbClr val="BCBEC4"/>
-                </a:solidFill>
-                <a:effectLst/>
-                <a:latin typeface="JetBrains Mono"/>
-              </a:rPr>
-              <a:t>:</a:t>
-            </a:r>
-            <a:br>
-              <a:rPr kumimoji="0" lang="en-US" altLang="en-US" sz="800" b="0" i="0" u="none" strike="noStrike" cap="none" normalizeH="0" baseline="0" dirty="0">
-                <a:ln>
-                  <a:noFill/>
-                </a:ln>
-                <a:solidFill>
-                  <a:srgbClr val="BCBEC4"/>
-                </a:solidFill>
-                <a:effectLst/>
-                <a:latin typeface="JetBrains Mono"/>
-              </a:rPr>
-            </a:br>
-            <a:r>
-              <a:rPr kumimoji="0" lang="en-US" altLang="en-US" sz="800" b="0" i="0" u="none" strike="noStrike" cap="none" normalizeH="0" baseline="0" dirty="0">
-                <a:ln>
-                  <a:noFill/>
-                </a:ln>
-                <a:solidFill>
-                  <a:srgbClr val="BCBEC4"/>
-                </a:solidFill>
-                <a:effectLst/>
-                <a:latin typeface="JetBrains Mono"/>
-              </a:rPr>
-              <a:t>    </a:t>
-            </a:r>
-            <a:r>
-              <a:rPr kumimoji="0" lang="en-US" altLang="en-US" sz="800" b="0" i="0" u="none" strike="noStrike" cap="none" normalizeH="0" baseline="0" dirty="0" err="1">
-                <a:ln>
-                  <a:noFill/>
-                </a:ln>
-                <a:solidFill>
-                  <a:srgbClr val="BCBEC4"/>
-                </a:solidFill>
-                <a:effectLst/>
-                <a:latin typeface="JetBrains Mono"/>
-              </a:rPr>
-              <a:t>st.</a:t>
-            </a:r>
-            <a:r>
-              <a:rPr kumimoji="0" lang="en-US" altLang="en-US" sz="800" b="0" i="0" u="none" strike="noStrike" cap="none" normalizeH="0" baseline="0" dirty="0">
-                <a:ln>
-                  <a:noFill/>
-                </a:ln>
-                <a:solidFill>
-                  <a:srgbClr val="BCBEC4"/>
-                </a:solidFill>
-                <a:effectLst/>
-                <a:latin typeface="JetBrains Mono"/>
-              </a:rPr>
-              <a:t> markdown(</a:t>
-            </a:r>
-            <a:r>
-              <a:rPr kumimoji="0" lang="en-US" altLang="en-US" sz="800" b="0" i="0" u="none" strike="noStrike" cap="none" normalizeH="0" baseline="0" dirty="0">
-                <a:ln>
-                  <a:noFill/>
-                </a:ln>
-                <a:solidFill>
-                  <a:srgbClr val="6AAB73"/>
-                </a:solidFill>
-                <a:effectLst/>
-                <a:latin typeface="JetBrains Mono"/>
-              </a:rPr>
-              <a:t>'----'</a:t>
-            </a:r>
-            <a:r>
-              <a:rPr kumimoji="0" lang="en-US" altLang="en-US" sz="800" b="0" i="0" u="none" strike="noStrike" cap="none" normalizeH="0" baseline="0" dirty="0">
-                <a:ln>
-                  <a:noFill/>
-                </a:ln>
-                <a:solidFill>
-                  <a:srgbClr val="BCBEC4"/>
-                </a:solidFill>
-                <a:effectLst/>
-                <a:latin typeface="JetBrains Mono"/>
-              </a:rPr>
-              <a:t>)</a:t>
-            </a:r>
-            <a:br>
-              <a:rPr kumimoji="0" lang="en-US" altLang="en-US" sz="800" b="0" i="0" u="none" strike="noStrike" cap="none" normalizeH="0" baseline="0" dirty="0">
-                <a:ln>
-                  <a:noFill/>
-                </a:ln>
-                <a:solidFill>
-                  <a:srgbClr val="BCBEC4"/>
-                </a:solidFill>
-                <a:effectLst/>
-                <a:latin typeface="JetBrains Mono"/>
-              </a:rPr>
-            </a:br>
-            <a:r>
-              <a:rPr kumimoji="0" lang="en-US" altLang="en-US" sz="800" b="0" i="0" u="none" strike="noStrike" cap="none" normalizeH="0" baseline="0" dirty="0">
-                <a:ln>
-                  <a:noFill/>
-                </a:ln>
-                <a:solidFill>
-                  <a:srgbClr val="BCBEC4"/>
-                </a:solidFill>
-                <a:effectLst/>
-                <a:latin typeface="JetBrains Mono"/>
-              </a:rPr>
-              <a:t>    </a:t>
-            </a:r>
-            <a:r>
-              <a:rPr kumimoji="0" lang="en-US" altLang="en-US" sz="800" b="0" i="0" u="none" strike="noStrike" cap="none" normalizeH="0" baseline="0" dirty="0" err="1">
-                <a:ln>
-                  <a:noFill/>
-                </a:ln>
-                <a:solidFill>
-                  <a:srgbClr val="BCBEC4"/>
-                </a:solidFill>
-                <a:effectLst/>
-                <a:latin typeface="JetBrains Mono"/>
-              </a:rPr>
-              <a:t>st.write</a:t>
-            </a:r>
-            <a:r>
-              <a:rPr kumimoji="0" lang="en-US" altLang="en-US" sz="800" b="0" i="0" u="none" strike="noStrike" cap="none" normalizeH="0" baseline="0" dirty="0">
-                <a:ln>
-                  <a:noFill/>
-                </a:ln>
-                <a:solidFill>
-                  <a:srgbClr val="BCBEC4"/>
-                </a:solidFill>
-                <a:effectLst/>
-                <a:latin typeface="JetBrains Mono"/>
-              </a:rPr>
-              <a:t>(</a:t>
-            </a:r>
-            <a:r>
-              <a:rPr kumimoji="0" lang="en-US" altLang="en-US" sz="800" b="0" i="0" u="none" strike="noStrike" cap="none" normalizeH="0" baseline="0" dirty="0">
-                <a:ln>
-                  <a:noFill/>
-                </a:ln>
-                <a:solidFill>
-                  <a:srgbClr val="6AAB73"/>
-                </a:solidFill>
-                <a:effectLst/>
-                <a:latin typeface="JetBrains Mono"/>
-              </a:rPr>
-              <a:t>"You did not upload a new file"</a:t>
-            </a:r>
-            <a:r>
-              <a:rPr kumimoji="0" lang="en-US" altLang="en-US" sz="800" b="0" i="0" u="none" strike="noStrike" cap="none" normalizeH="0" baseline="0" dirty="0">
-                <a:ln>
-                  <a:noFill/>
-                </a:ln>
-                <a:solidFill>
-                  <a:srgbClr val="BCBEC4"/>
-                </a:solidFill>
-                <a:effectLst/>
-                <a:latin typeface="JetBrains Mono"/>
-              </a:rPr>
-              <a:t>)</a:t>
-            </a:r>
-            <a:endParaRPr kumimoji="0" lang="en-US" altLang="en-US" sz="800" b="0" i="0" u="none" strike="noStrike" cap="none" normalizeH="0" baseline="0" dirty="0">
-              <a:ln>
-                <a:noFill/>
-              </a:ln>
-              <a:solidFill>
-                <a:schemeClr val="tx1"/>
-              </a:solidFill>
-              <a:effectLst/>
-              <a:latin typeface="Arial" panose="020B0604020202020204" pitchFamily="34" charset="0"/>
-            </a:endParaRPr>
-          </a:p>
-        </p:txBody>
-      </p:sp>
+        </p:spPr>
+      </p:pic>
+      <p:pic>
+        <p:nvPicPr>
+          <p:cNvPr id="10" name="Picture 9">
+            <a:extLst>
+              <a:ext uri="{FF2B5EF4-FFF2-40B4-BE49-F238E27FC236}">
+                <a16:creationId xmlns:a16="http://schemas.microsoft.com/office/drawing/2014/main" id="{C6FB14D4-C319-17D6-F7ED-88A9A3872CC2}"/>
+              </a:ext>
+            </a:extLst>
+          </p:cNvPr>
+          <p:cNvPicPr>
+            <a:picLocks noChangeAspect="1"/>
+          </p:cNvPicPr>
+          <p:nvPr/>
+        </p:nvPicPr>
+        <p:blipFill>
+          <a:blip r:embed="rId5"/>
+          <a:stretch>
+            <a:fillRect/>
+          </a:stretch>
+        </p:blipFill>
+        <p:spPr>
+          <a:xfrm>
+            <a:off x="6096000" y="874449"/>
+            <a:ext cx="6050754" cy="2743822"/>
+          </a:xfrm>
+          <a:prstGeom prst="rect">
+            <a:avLst/>
+          </a:prstGeom>
+        </p:spPr>
+      </p:pic>
     </p:spTree>
     <p:extLst>
       <p:ext uri="{BB962C8B-B14F-4D97-AF65-F5344CB8AC3E}">
@@ -8421,10 +5255,10 @@
       </p:sp>
       <p:pic>
         <p:nvPicPr>
-          <p:cNvPr id="5" name="Picture 4">
+          <p:cNvPr id="4" name="Picture 3">
             <a:extLst>
               <a:ext uri="{FF2B5EF4-FFF2-40B4-BE49-F238E27FC236}">
-                <a16:creationId xmlns:a16="http://schemas.microsoft.com/office/drawing/2014/main" id="{C0AEBFC6-8FD4-60A0-2587-3B93A110618C}"/>
+                <a16:creationId xmlns:a16="http://schemas.microsoft.com/office/drawing/2014/main" id="{47B5474E-684D-A8DE-B656-B467EBF95414}"/>
               </a:ext>
             </a:extLst>
           </p:cNvPr>
@@ -8441,8 +5275,8 @@
         </p:blipFill>
         <p:spPr>
           <a:xfrm>
-            <a:off x="492240" y="1173472"/>
-            <a:ext cx="11207519" cy="4511056"/>
+            <a:off x="294968" y="1426056"/>
+            <a:ext cx="11727980" cy="3096784"/>
           </a:xfrm>
           <a:prstGeom prst="rect">
             <a:avLst/>
@@ -8528,10 +5362,10 @@
       </p:sp>
       <p:pic>
         <p:nvPicPr>
-          <p:cNvPr id="9" name="Picture 8">
+          <p:cNvPr id="4" name="Picture 3">
             <a:extLst>
               <a:ext uri="{FF2B5EF4-FFF2-40B4-BE49-F238E27FC236}">
-                <a16:creationId xmlns:a16="http://schemas.microsoft.com/office/drawing/2014/main" id="{F951078A-367B-E85C-EF93-3EB3ACB3ECFE}"/>
+                <a16:creationId xmlns:a16="http://schemas.microsoft.com/office/drawing/2014/main" id="{F1F6F9A5-718E-3861-6DD2-38EF8BF88E80}"/>
               </a:ext>
             </a:extLst>
           </p:cNvPr>
@@ -8548,8 +5382,8 @@
         </p:blipFill>
         <p:spPr>
           <a:xfrm>
-            <a:off x="132468" y="1010572"/>
-            <a:ext cx="11927063" cy="5383397"/>
+            <a:off x="581192" y="1010572"/>
+            <a:ext cx="10340873" cy="5443144"/>
           </a:xfrm>
           <a:prstGeom prst="rect">
             <a:avLst/>
@@ -9274,7 +6108,311 @@
 </a:theme>
 </file>
 
+<file path=ppt/theme/theme2.xml><?xml version="1.0" encoding="utf-8"?>
+<a:theme xmlns:a="http://schemas.openxmlformats.org/drawingml/2006/main" name="Office Theme">
+  <a:themeElements>
+    <a:clrScheme name="Office">
+      <a:dk1>
+        <a:sysClr val="windowText" lastClr="000000"/>
+      </a:dk1>
+      <a:lt1>
+        <a:sysClr val="window" lastClr="FFFFFF"/>
+      </a:lt1>
+      <a:dk2>
+        <a:srgbClr val="44546A"/>
+      </a:dk2>
+      <a:lt2>
+        <a:srgbClr val="E7E6E6"/>
+      </a:lt2>
+      <a:accent1>
+        <a:srgbClr val="4472C4"/>
+      </a:accent1>
+      <a:accent2>
+        <a:srgbClr val="ED7D31"/>
+      </a:accent2>
+      <a:accent3>
+        <a:srgbClr val="A5A5A5"/>
+      </a:accent3>
+      <a:accent4>
+        <a:srgbClr val="FFC000"/>
+      </a:accent4>
+      <a:accent5>
+        <a:srgbClr val="5B9BD5"/>
+      </a:accent5>
+      <a:accent6>
+        <a:srgbClr val="70AD47"/>
+      </a:accent6>
+      <a:hlink>
+        <a:srgbClr val="0563C1"/>
+      </a:hlink>
+      <a:folHlink>
+        <a:srgbClr val="954F72"/>
+      </a:folHlink>
+    </a:clrScheme>
+    <a:fontScheme name="Office">
+      <a:majorFont>
+        <a:latin typeface="Calibri Light" panose="020F0302020204030204"/>
+        <a:ea typeface=""/>
+        <a:cs typeface=""/>
+        <a:font script="Jpan" typeface="游ゴシック Light"/>
+        <a:font script="Hang" typeface="맑은 고딕"/>
+        <a:font script="Hans" typeface="等线 Light"/>
+        <a:font script="Hant" typeface="新細明體"/>
+        <a:font script="Arab" typeface="Times New Roman"/>
+        <a:font script="Hebr" typeface="Times New Roman"/>
+        <a:font script="Thai" typeface="Angsana New"/>
+        <a:font script="Ethi" typeface="Nyala"/>
+        <a:font script="Beng" typeface="Vrinda"/>
+        <a:font script="Gujr" typeface="Shruti"/>
+        <a:font script="Khmr" typeface="MoolBoran"/>
+        <a:font script="Knda" typeface="Tunga"/>
+        <a:font script="Guru" typeface="Raavi"/>
+        <a:font script="Cans" typeface="Euphemia"/>
+        <a:font script="Cher" typeface="Plantagenet Cherokee"/>
+        <a:font script="Yiii" typeface="Microsoft Yi Baiti"/>
+        <a:font script="Tibt" typeface="Microsoft Himalaya"/>
+        <a:font script="Thaa" typeface="MV Boli"/>
+        <a:font script="Deva" typeface="Mangal"/>
+        <a:font script="Telu" typeface="Gautami"/>
+        <a:font script="Taml" typeface="Latha"/>
+        <a:font script="Syrc" typeface="Estrangelo Edessa"/>
+        <a:font script="Orya" typeface="Kalinga"/>
+        <a:font script="Mlym" typeface="Kartika"/>
+        <a:font script="Laoo" typeface="DokChampa"/>
+        <a:font script="Sinh" typeface="Iskoola Pota"/>
+        <a:font script="Mong" typeface="Mongolian Baiti"/>
+        <a:font script="Viet" typeface="Times New Roman"/>
+        <a:font script="Uigh" typeface="Microsoft Uighur"/>
+        <a:font script="Geor" typeface="Sylfaen"/>
+        <a:font script="Armn" typeface="Arial"/>
+        <a:font script="Bugi" typeface="Leelawadee UI"/>
+        <a:font script="Bopo" typeface="Microsoft JhengHei"/>
+        <a:font script="Java" typeface="Javanese Text"/>
+        <a:font script="Lisu" typeface="Segoe UI"/>
+        <a:font script="Mymr" typeface="Myanmar Text"/>
+        <a:font script="Nkoo" typeface="Ebrima"/>
+        <a:font script="Olck" typeface="Nirmala UI"/>
+        <a:font script="Osma" typeface="Ebrima"/>
+        <a:font script="Phag" typeface="Phagspa"/>
+        <a:font script="Syrn" typeface="Estrangelo Edessa"/>
+        <a:font script="Syrj" typeface="Estrangelo Edessa"/>
+        <a:font script="Syre" typeface="Estrangelo Edessa"/>
+        <a:font script="Sora" typeface="Nirmala UI"/>
+        <a:font script="Tale" typeface="Microsoft Tai Le"/>
+        <a:font script="Talu" typeface="Microsoft New Tai Lue"/>
+        <a:font script="Tfng" typeface="Ebrima"/>
+      </a:majorFont>
+      <a:minorFont>
+        <a:latin typeface="Calibri" panose="020F0502020204030204"/>
+        <a:ea typeface=""/>
+        <a:cs typeface=""/>
+        <a:font script="Jpan" typeface="游ゴシック"/>
+        <a:font script="Hang" typeface="맑은 고딕"/>
+        <a:font script="Hans" typeface="等线"/>
+        <a:font script="Hant" typeface="新細明體"/>
+        <a:font script="Arab" typeface="Arial"/>
+        <a:font script="Hebr" typeface="Arial"/>
+        <a:font script="Thai" typeface="Cordia New"/>
+        <a:font script="Ethi" typeface="Nyala"/>
+        <a:font script="Beng" typeface="Vrinda"/>
+        <a:font script="Gujr" typeface="Shruti"/>
+        <a:font script="Khmr" typeface="DaunPenh"/>
+        <a:font script="Knda" typeface="Tunga"/>
+        <a:font script="Guru" typeface="Raavi"/>
+        <a:font script="Cans" typeface="Euphemia"/>
+        <a:font script="Cher" typeface="Plantagenet Cherokee"/>
+        <a:font script="Yiii" typeface="Microsoft Yi Baiti"/>
+        <a:font script="Tibt" typeface="Microsoft Himalaya"/>
+        <a:font script="Thaa" typeface="MV Boli"/>
+        <a:font script="Deva" typeface="Mangal"/>
+        <a:font script="Telu" typeface="Gautami"/>
+        <a:font script="Taml" typeface="Latha"/>
+        <a:font script="Syrc" typeface="Estrangelo Edessa"/>
+        <a:font script="Orya" typeface="Kalinga"/>
+        <a:font script="Mlym" typeface="Kartika"/>
+        <a:font script="Laoo" typeface="DokChampa"/>
+        <a:font script="Sinh" typeface="Iskoola Pota"/>
+        <a:font script="Mong" typeface="Mongolian Baiti"/>
+        <a:font script="Viet" typeface="Arial"/>
+        <a:font script="Uigh" typeface="Microsoft Uighur"/>
+        <a:font script="Geor" typeface="Sylfaen"/>
+        <a:font script="Armn" typeface="Arial"/>
+        <a:font script="Bugi" typeface="Leelawadee UI"/>
+        <a:font script="Bopo" typeface="Microsoft JhengHei"/>
+        <a:font script="Java" typeface="Javanese Text"/>
+        <a:font script="Lisu" typeface="Segoe UI"/>
+        <a:font script="Mymr" typeface="Myanmar Text"/>
+        <a:font script="Nkoo" typeface="Ebrima"/>
+        <a:font script="Olck" typeface="Nirmala UI"/>
+        <a:font script="Osma" typeface="Ebrima"/>
+        <a:font script="Phag" typeface="Phagspa"/>
+        <a:font script="Syrn" typeface="Estrangelo Edessa"/>
+        <a:font script="Syrj" typeface="Estrangelo Edessa"/>
+        <a:font script="Syre" typeface="Estrangelo Edessa"/>
+        <a:font script="Sora" typeface="Nirmala UI"/>
+        <a:font script="Tale" typeface="Microsoft Tai Le"/>
+        <a:font script="Talu" typeface="Microsoft New Tai Lue"/>
+        <a:font script="Tfng" typeface="Ebrima"/>
+      </a:minorFont>
+    </a:fontScheme>
+    <a:fmtScheme name="Office">
+      <a:fillStyleLst>
+        <a:solidFill>
+          <a:schemeClr val="phClr"/>
+        </a:solidFill>
+        <a:gradFill rotWithShape="1">
+          <a:gsLst>
+            <a:gs pos="0">
+              <a:schemeClr val="phClr">
+                <a:lumMod val="110000"/>
+                <a:satMod val="105000"/>
+                <a:tint val="67000"/>
+              </a:schemeClr>
+            </a:gs>
+            <a:gs pos="50000">
+              <a:schemeClr val="phClr">
+                <a:lumMod val="105000"/>
+                <a:satMod val="103000"/>
+                <a:tint val="73000"/>
+              </a:schemeClr>
+            </a:gs>
+            <a:gs pos="100000">
+              <a:schemeClr val="phClr">
+                <a:lumMod val="105000"/>
+                <a:satMod val="109000"/>
+                <a:tint val="81000"/>
+              </a:schemeClr>
+            </a:gs>
+          </a:gsLst>
+          <a:lin ang="5400000" scaled="0"/>
+        </a:gradFill>
+        <a:gradFill rotWithShape="1">
+          <a:gsLst>
+            <a:gs pos="0">
+              <a:schemeClr val="phClr">
+                <a:satMod val="103000"/>
+                <a:lumMod val="102000"/>
+                <a:tint val="94000"/>
+              </a:schemeClr>
+            </a:gs>
+            <a:gs pos="50000">
+              <a:schemeClr val="phClr">
+                <a:satMod val="110000"/>
+                <a:lumMod val="100000"/>
+                <a:shade val="100000"/>
+              </a:schemeClr>
+            </a:gs>
+            <a:gs pos="100000">
+              <a:schemeClr val="phClr">
+                <a:lumMod val="99000"/>
+                <a:satMod val="120000"/>
+                <a:shade val="78000"/>
+              </a:schemeClr>
+            </a:gs>
+          </a:gsLst>
+          <a:lin ang="5400000" scaled="0"/>
+        </a:gradFill>
+      </a:fillStyleLst>
+      <a:lnStyleLst>
+        <a:ln w="6350" cap="flat" cmpd="sng" algn="ctr">
+          <a:solidFill>
+            <a:schemeClr val="phClr"/>
+          </a:solidFill>
+          <a:prstDash val="solid"/>
+          <a:miter lim="800000"/>
+        </a:ln>
+        <a:ln w="12700" cap="flat" cmpd="sng" algn="ctr">
+          <a:solidFill>
+            <a:schemeClr val="phClr"/>
+          </a:solidFill>
+          <a:prstDash val="solid"/>
+          <a:miter lim="800000"/>
+        </a:ln>
+        <a:ln w="19050" cap="flat" cmpd="sng" algn="ctr">
+          <a:solidFill>
+            <a:schemeClr val="phClr"/>
+          </a:solidFill>
+          <a:prstDash val="solid"/>
+          <a:miter lim="800000"/>
+        </a:ln>
+      </a:lnStyleLst>
+      <a:effectStyleLst>
+        <a:effectStyle>
+          <a:effectLst/>
+        </a:effectStyle>
+        <a:effectStyle>
+          <a:effectLst/>
+        </a:effectStyle>
+        <a:effectStyle>
+          <a:effectLst>
+            <a:outerShdw blurRad="57150" dist="19050" dir="5400000" algn="ctr" rotWithShape="0">
+              <a:srgbClr val="000000">
+                <a:alpha val="63000"/>
+              </a:srgbClr>
+            </a:outerShdw>
+          </a:effectLst>
+        </a:effectStyle>
+      </a:effectStyleLst>
+      <a:bgFillStyleLst>
+        <a:solidFill>
+          <a:schemeClr val="phClr"/>
+        </a:solidFill>
+        <a:solidFill>
+          <a:schemeClr val="phClr">
+            <a:tint val="95000"/>
+            <a:satMod val="170000"/>
+          </a:schemeClr>
+        </a:solidFill>
+        <a:gradFill rotWithShape="1">
+          <a:gsLst>
+            <a:gs pos="0">
+              <a:schemeClr val="phClr">
+                <a:tint val="93000"/>
+                <a:satMod val="150000"/>
+                <a:shade val="98000"/>
+                <a:lumMod val="102000"/>
+              </a:schemeClr>
+            </a:gs>
+            <a:gs pos="50000">
+              <a:schemeClr val="phClr">
+                <a:tint val="98000"/>
+                <a:satMod val="130000"/>
+                <a:shade val="90000"/>
+                <a:lumMod val="103000"/>
+              </a:schemeClr>
+            </a:gs>
+            <a:gs pos="100000">
+              <a:schemeClr val="phClr">
+                <a:shade val="63000"/>
+                <a:satMod val="120000"/>
+              </a:schemeClr>
+            </a:gs>
+          </a:gsLst>
+          <a:lin ang="5400000" scaled="0"/>
+        </a:gradFill>
+      </a:bgFillStyleLst>
+    </a:fmtScheme>
+  </a:themeElements>
+  <a:objectDefaults/>
+  <a:extraClrSchemeLst/>
+  <a:extLst>
+    <a:ext uri="{05A4C25C-085E-4340-85A3-A5531E510DB2}">
+      <thm15:themeFamily xmlns:thm15="http://schemas.microsoft.com/office/thememl/2012/main" name="Office Theme" id="{62F939B6-93AF-4DB8-9C6B-D6C7DFDC589F}" vid="{4A3C46E8-61CC-4603-A589-7422A47A8E4A}"/>
+    </a:ext>
+  </a:extLst>
+</a:theme>
+</file>
+
 <file path=customXml/item1.xml><?xml version="1.0" encoding="utf-8"?>
+<p:properties xmlns:p="http://schemas.microsoft.com/office/2006/metadata/properties" xmlns:xsi="http://www.w3.org/2001/XMLSchema-instance" xmlns:pc="http://schemas.microsoft.com/office/infopath/2007/PartnerControls">
+  <documentManagement>
+    <Status xmlns="71af3243-3dd4-4a8d-8c0d-dd76da1f02a5">Not started</Status>
+    <MediaServiceKeyPoints xmlns="71af3243-3dd4-4a8d-8c0d-dd76da1f02a5" xsi:nil="true"/>
+  </documentManagement>
+</p:properties>
+</file>
+
+<file path=customXml/item2.xml><?xml version="1.0" encoding="utf-8"?>
 <ct:contentTypeSchema xmlns:ct="http://schemas.microsoft.com/office/2006/metadata/contentType" xmlns:ma="http://schemas.microsoft.com/office/2006/metadata/properties/metaAttributes" ct:_="" ma:_="" ma:contentTypeName="Document" ma:contentTypeID="0x01010079F111ED35F8CC479449609E8A0923A6" ma:contentTypeVersion="12" ma:contentTypeDescription="Create a new document." ma:contentTypeScope="" ma:versionID="a410dd7f93c95333ffa1b60ed6adedd1">
   <xsd:schema xmlns:xsd="http://www.w3.org/2001/XMLSchema" xmlns:xs="http://www.w3.org/2001/XMLSchema" xmlns:p="http://schemas.microsoft.com/office/2006/metadata/properties" xmlns:ns2="71af3243-3dd4-4a8d-8c0d-dd76da1f02a5" xmlns:ns3="16c05727-aa75-4e4a-9b5f-8a80a1165891" targetNamespace="http://schemas.microsoft.com/office/2006/metadata/properties" ma:root="true" ma:fieldsID="a936d9baba76aa3866493feff160faab" ns2:_="" ns3:_="">
     <xsd:import namespace="71af3243-3dd4-4a8d-8c0d-dd76da1f02a5"/>
@@ -9495,7 +6633,7 @@
 </ct:contentTypeSchema>
 </file>
 
-<file path=customXml/item2.xml><?xml version="1.0" encoding="utf-8"?>
+<file path=customXml/item3.xml><?xml version="1.0" encoding="utf-8"?>
 <?mso-contentType ?>
 <FormTemplates xmlns="http://schemas.microsoft.com/sharepoint/v3/contenttype/forms">
   <Display>DocumentLibraryForm</Display>
@@ -9504,16 +6642,17 @@
 </FormTemplates>
 </file>
 
-<file path=customXml/item3.xml><?xml version="1.0" encoding="utf-8"?>
-<p:properties xmlns:p="http://schemas.microsoft.com/office/2006/metadata/properties" xmlns:xsi="http://www.w3.org/2001/XMLSchema-instance" xmlns:pc="http://schemas.microsoft.com/office/infopath/2007/PartnerControls">
-  <documentManagement>
-    <Status xmlns="71af3243-3dd4-4a8d-8c0d-dd76da1f02a5">Not started</Status>
-    <MediaServiceKeyPoints xmlns="71af3243-3dd4-4a8d-8c0d-dd76da1f02a5" xsi:nil="true"/>
-  </documentManagement>
-</p:properties>
+<file path=customXml/itemProps1.xml><?xml version="1.0" encoding="utf-8"?>
+<ds:datastoreItem xmlns:ds="http://schemas.openxmlformats.org/officeDocument/2006/customXml" ds:itemID="{8D289AE2-D2AE-49D1-AFAC-3A79F6794255}">
+  <ds:schemaRefs>
+    <ds:schemaRef ds:uri="http://schemas.microsoft.com/office/2006/metadata/properties"/>
+    <ds:schemaRef ds:uri="http://schemas.microsoft.com/office/infopath/2007/PartnerControls"/>
+    <ds:schemaRef ds:uri="71af3243-3dd4-4a8d-8c0d-dd76da1f02a5"/>
+  </ds:schemaRefs>
+</ds:datastoreItem>
 </file>
 
-<file path=customXml/itemProps1.xml><?xml version="1.0" encoding="utf-8"?>
+<file path=customXml/itemProps2.xml><?xml version="1.0" encoding="utf-8"?>
 <ds:datastoreItem xmlns:ds="http://schemas.openxmlformats.org/officeDocument/2006/customXml" ds:itemID="{41E7CA09-9778-4414-AE97-8064B12DA30E}">
   <ds:schemaRefs>
     <ds:schemaRef ds:uri="http://schemas.microsoft.com/office/2006/metadata/contentType"/>
@@ -9532,20 +6671,10 @@
 </ds:datastoreItem>
 </file>
 
-<file path=customXml/itemProps2.xml><?xml version="1.0" encoding="utf-8"?>
+<file path=customXml/itemProps3.xml><?xml version="1.0" encoding="utf-8"?>
 <ds:datastoreItem xmlns:ds="http://schemas.openxmlformats.org/officeDocument/2006/customXml" ds:itemID="{927BD4C1-B6B1-4715-ABF9-E660A51A4EA0}">
   <ds:schemaRefs>
     <ds:schemaRef ds:uri="http://schemas.microsoft.com/sharepoint/v3/contenttype/forms"/>
   </ds:schemaRefs>
 </ds:datastoreItem>
-</file>
-
-<file path=customXml/itemProps3.xml><?xml version="1.0" encoding="utf-8"?>
-<ds:datastoreItem xmlns:ds="http://schemas.openxmlformats.org/officeDocument/2006/customXml" ds:itemID="{8D289AE2-D2AE-49D1-AFAC-3A79F6794255}">
-  <ds:schemaRefs>
-    <ds:schemaRef ds:uri="http://schemas.microsoft.com/office/2006/metadata/properties"/>
-    <ds:schemaRef ds:uri="http://schemas.microsoft.com/office/infopath/2007/PartnerControls"/>
-    <ds:schemaRef ds:uri="71af3243-3dd4-4a8d-8c0d-dd76da1f02a5"/>
-  </ds:schemaRefs>
-</ds:datastoreItem>
 </file>